--- a/Doc/Мобільний додаток для тестування знань студентів з дисципліни.pptx
+++ b/Doc/Мобільний додаток для тестування знань студентів з дисципліни.pptx
@@ -2,7 +2,7 @@
 <file path=ppt/presentation.xml><?xml version="1.0" encoding="utf-8"?>
 <p:presentation xmlns:a="http://schemas.openxmlformats.org/drawingml/2006/main" xmlns:r="http://schemas.openxmlformats.org/officeDocument/2006/relationships" xmlns:p="http://schemas.openxmlformats.org/presentationml/2006/main" autoCompressPictures="0">
   <p:sldMasterIdLst>
-    <p:sldMasterId id="2147483648" r:id="rId1"/>
+    <p:sldMasterId id="2147483669" r:id="rId1"/>
   </p:sldMasterIdLst>
   <p:sldIdLst>
     <p:sldId id="256" r:id="rId2"/>
@@ -112,7 +112,16 @@
       </a:defRPr>
     </a:lvl9pPr>
   </p:defaultTextStyle>
+  <p:extLst>
+    <p:ext uri="{EFAFB233-063F-42B5-8137-9DF3F51BA10A}">
+      <p15:sldGuideLst xmlns:p15="http://schemas.microsoft.com/office/powerpoint/2012/main"/>
+    </p:ext>
+  </p:extLst>
 </p:presentation>
+</file>
+
+<file path=ppt/revisionInfo.xml><?xml version="1.0" encoding="utf-8"?>
+<p1510:revInfo xmlns:a="http://schemas.openxmlformats.org/drawingml/2006/main" xmlns:r="http://schemas.openxmlformats.org/officeDocument/2006/relationships" xmlns:p1510="http://schemas.microsoft.com/office/powerpoint/2015/10/main"/>
 </file>
 
 <file path=ppt/slideLayouts/slideLayout1.xml><?xml version="1.0" encoding="utf-8"?>
@@ -134,7 +143,7 @@
       </p:grpSpPr>
       <p:grpSp>
         <p:nvGrpSpPr>
-          <p:cNvPr id="16" name="Group 15"/>
+          <p:cNvPr id="8" name="Group 7"/>
           <p:cNvGrpSpPr/>
           <p:nvPr/>
         </p:nvGrpSpPr>
@@ -146,72 +155,9 @@
             <a:chExt cx="12192000" cy="6866467"/>
           </a:xfrm>
         </p:grpSpPr>
-        <p:sp>
-          <p:nvSpPr>
-            <p:cNvPr id="15" name="Freeform 14"/>
-            <p:cNvSpPr/>
-            <p:nvPr/>
-          </p:nvSpPr>
-          <p:spPr>
-            <a:xfrm>
-              <a:off x="0" y="-7862"/>
-              <a:ext cx="863600" cy="5698067"/>
-            </a:xfrm>
-            <a:custGeom>
-              <a:avLst/>
-              <a:gdLst/>
-              <a:ahLst/>
-              <a:cxnLst/>
-              <a:rect l="l" t="t" r="r" b="b"/>
-              <a:pathLst>
-                <a:path w="863600" h="5698067">
-                  <a:moveTo>
-                    <a:pt x="0" y="8467"/>
-                  </a:moveTo>
-                  <a:lnTo>
-                    <a:pt x="863600" y="0"/>
-                  </a:lnTo>
-                  <a:lnTo>
-                    <a:pt x="863600" y="16934"/>
-                  </a:lnTo>
-                  <a:lnTo>
-                    <a:pt x="0" y="5698067"/>
-                  </a:lnTo>
-                  <a:lnTo>
-                    <a:pt x="0" y="8467"/>
-                  </a:lnTo>
-                  <a:close/>
-                </a:path>
-              </a:pathLst>
-            </a:custGeom>
-            <a:solidFill>
-              <a:schemeClr val="accent1">
-                <a:alpha val="70000"/>
-              </a:schemeClr>
-            </a:solidFill>
-            <a:ln>
-              <a:noFill/>
-            </a:ln>
-            <a:effectLst/>
-          </p:spPr>
-          <p:style>
-            <a:lnRef idx="1">
-              <a:schemeClr val="accent1"/>
-            </a:lnRef>
-            <a:fillRef idx="3">
-              <a:schemeClr val="accent1"/>
-            </a:fillRef>
-            <a:effectRef idx="2">
-              <a:schemeClr val="accent1"/>
-            </a:effectRef>
-            <a:fontRef idx="minor">
-              <a:schemeClr val="lt1"/>
-            </a:fontRef>
-          </p:style>
-        </p:sp>
         <p:cxnSp>
           <p:nvCxnSpPr>
-            <p:cNvPr id="19" name="Straight Connector 18"/>
+            <p:cNvPr id="32" name="Straight Connector 31"/>
             <p:cNvCxnSpPr/>
             <p:nvPr/>
           </p:nvCxnSpPr>
@@ -225,8 +171,9 @@
             </a:prstGeom>
             <a:ln w="9525">
               <a:solidFill>
-                <a:schemeClr val="accent1">
-                  <a:alpha val="70000"/>
+                <a:schemeClr val="bg1">
+                  <a:lumMod val="85000"/>
+                  <a:lumOff val="15000"/>
                 </a:schemeClr>
               </a:solidFill>
             </a:ln>
@@ -248,7 +195,7 @@
         </p:cxnSp>
         <p:cxnSp>
           <p:nvCxnSpPr>
-            <p:cNvPr id="20" name="Straight Connector 19"/>
+            <p:cNvPr id="21" name="Straight Connector 20"/>
             <p:cNvCxnSpPr/>
             <p:nvPr/>
           </p:nvCxnSpPr>
@@ -262,8 +209,9 @@
             </a:prstGeom>
             <a:ln w="9525">
               <a:solidFill>
-                <a:schemeClr val="accent1">
-                  <a:alpha val="70000"/>
+                <a:schemeClr val="bg1">
+                  <a:lumMod val="85000"/>
+                  <a:lumOff val="15000"/>
                 </a:schemeClr>
               </a:solidFill>
             </a:ln>
@@ -285,7 +233,7 @@
         </p:cxnSp>
         <p:sp>
           <p:nvSpPr>
-            <p:cNvPr id="21" name="Rectangle 23"/>
+            <p:cNvPr id="24" name="Rectangle 23"/>
             <p:cNvSpPr/>
             <p:nvPr/>
           </p:nvSpPr>
@@ -323,7 +271,7 @@
             </a:custGeom>
             <a:solidFill>
               <a:schemeClr val="accent1">
-                <a:alpha val="36000"/>
+                <a:alpha val="30000"/>
               </a:schemeClr>
             </a:solidFill>
             <a:ln>
@@ -348,7 +296,7 @@
         </p:sp>
         <p:sp>
           <p:nvSpPr>
-            <p:cNvPr id="22" name="Rectangle 25"/>
+            <p:cNvPr id="26" name="Rectangle 25"/>
             <p:cNvSpPr/>
             <p:nvPr/>
           </p:nvSpPr>
@@ -411,7 +359,7 @@
         </p:sp>
         <p:sp>
           <p:nvSpPr>
-            <p:cNvPr id="23" name="Isosceles Triangle 22"/>
+            <p:cNvPr id="27" name="Isosceles Triangle 26"/>
             <p:cNvSpPr/>
             <p:nvPr/>
           </p:nvSpPr>
@@ -426,9 +374,8 @@
               </a:avLst>
             </a:prstGeom>
             <a:solidFill>
-              <a:schemeClr val="accent1">
-                <a:lumMod val="75000"/>
-                <a:alpha val="66000"/>
+              <a:schemeClr val="accent2">
+                <a:alpha val="72000"/>
               </a:schemeClr>
             </a:solidFill>
             <a:ln>
@@ -453,7 +400,7 @@
         </p:sp>
         <p:sp>
           <p:nvSpPr>
-            <p:cNvPr id="24" name="Rectangle 27"/>
+            <p:cNvPr id="28" name="Rectangle 27"/>
             <p:cNvSpPr/>
             <p:nvPr/>
           </p:nvSpPr>
@@ -490,9 +437,9 @@
               </a:pathLst>
             </a:custGeom>
             <a:solidFill>
-              <a:schemeClr val="accent1">
+              <a:schemeClr val="accent2">
                 <a:lumMod val="75000"/>
-                <a:alpha val="50000"/>
+                <a:alpha val="70000"/>
               </a:schemeClr>
             </a:solidFill>
             <a:ln>
@@ -517,7 +464,7 @@
         </p:sp>
         <p:sp>
           <p:nvSpPr>
-            <p:cNvPr id="25" name="Rectangle 28"/>
+            <p:cNvPr id="29" name="Rectangle 28"/>
             <p:cNvSpPr/>
             <p:nvPr/>
           </p:nvSpPr>
@@ -554,7 +501,9 @@
               </a:pathLst>
             </a:custGeom>
             <a:solidFill>
-              <a:schemeClr val="accent2">
+              <a:schemeClr val="accent1">
+                <a:lumMod val="60000"/>
+                <a:lumOff val="40000"/>
                 <a:alpha val="70000"/>
               </a:schemeClr>
             </a:solidFill>
@@ -580,7 +529,7 @@
         </p:sp>
         <p:sp>
           <p:nvSpPr>
-            <p:cNvPr id="26" name="Rectangle 29"/>
+            <p:cNvPr id="30" name="Rectangle 29"/>
             <p:cNvSpPr/>
             <p:nvPr/>
           </p:nvSpPr>
@@ -617,8 +566,48 @@
               </a:pathLst>
             </a:custGeom>
             <a:solidFill>
-              <a:schemeClr val="accent2">
-                <a:lumMod val="75000"/>
+              <a:schemeClr val="accent1">
+                <a:alpha val="65000"/>
+              </a:schemeClr>
+            </a:solidFill>
+            <a:ln>
+              <a:noFill/>
+            </a:ln>
+            <a:effectLst/>
+          </p:spPr>
+          <p:style>
+            <a:lnRef idx="1">
+              <a:schemeClr val="accent1"/>
+            </a:lnRef>
+            <a:fillRef idx="3">
+              <a:schemeClr val="accent1"/>
+            </a:fillRef>
+            <a:effectRef idx="2">
+              <a:schemeClr val="accent1"/>
+            </a:effectRef>
+            <a:fontRef idx="minor">
+              <a:schemeClr val="lt1"/>
+            </a:fontRef>
+          </p:style>
+        </p:sp>
+        <p:sp>
+          <p:nvSpPr>
+            <p:cNvPr id="31" name="Isosceles Triangle 30"/>
+            <p:cNvSpPr/>
+            <p:nvPr/>
+          </p:nvSpPr>
+          <p:spPr>
+            <a:xfrm>
+              <a:off x="10371666" y="3589867"/>
+              <a:ext cx="1817159" cy="3268133"/>
+            </a:xfrm>
+            <a:prstGeom prst="triangle">
+              <a:avLst>
+                <a:gd name="adj" fmla="val 100000"/>
+              </a:avLst>
+            </a:prstGeom>
+            <a:solidFill>
+              <a:schemeClr val="accent1">
                 <a:alpha val="80000"/>
               </a:schemeClr>
             </a:solidFill>
@@ -644,14 +633,14 @@
         </p:sp>
         <p:sp>
           <p:nvSpPr>
-            <p:cNvPr id="27" name="Isosceles Triangle 26"/>
+            <p:cNvPr id="19" name="Isosceles Triangle 18"/>
             <p:cNvSpPr/>
             <p:nvPr/>
           </p:nvSpPr>
           <p:spPr>
-            <a:xfrm>
-              <a:off x="10371666" y="3589867"/>
-              <a:ext cx="1817159" cy="3268133"/>
+            <a:xfrm rot="10800000">
+              <a:off x="0" y="0"/>
+              <a:ext cx="842596" cy="5666154"/>
             </a:xfrm>
             <a:prstGeom prst="triangle">
               <a:avLst>
@@ -660,8 +649,7 @@
             </a:prstGeom>
             <a:solidFill>
               <a:schemeClr val="accent1">
-                <a:lumMod val="75000"/>
-                <a:alpha val="66000"/>
+                <a:alpha val="85000"/>
               </a:schemeClr>
             </a:solidFill>
             <a:ln>
@@ -859,9 +847,9 @@
           <a:lstStyle/>
           <a:p>
             <a:fld id="{B61BEF0D-F0BB-DE4B-95CE-6DB70DBA9567}" type="datetimeFigureOut">
-              <a:rPr lang="en-US" dirty="0"/>
+              <a:rPr lang="en-US" smtClean="0"/>
               <a:pPr/>
-              <a:t>5/25/2017</a:t>
+              <a:t>6/5/2017</a:t>
             </a:fld>
             <a:endParaRPr lang="en-US" dirty="0"/>
           </a:p>
@@ -902,7 +890,7 @@
           <a:lstStyle/>
           <a:p>
             <a:fld id="{D57F1E4F-1CFF-5643-939E-217C01CDF565}" type="slidenum">
-              <a:rPr lang="en-US" dirty="0"/>
+              <a:rPr lang="en-US" smtClean="0"/>
               <a:pPr/>
               <a:t>‹№›</a:t>
             </a:fld>
@@ -911,6 +899,11 @@
         </p:txBody>
       </p:sp>
     </p:spTree>
+    <p:extLst>
+      <p:ext uri="{BB962C8B-B14F-4D97-AF65-F5344CB8AC3E}">
+        <p14:creationId xmlns:p14="http://schemas.microsoft.com/office/powerpoint/2010/main" val="957626631"/>
+      </p:ext>
+    </p:extLst>
   </p:cSld>
   <p:clrMapOvr>
     <a:masterClrMapping/>
@@ -1107,9 +1100,9 @@
           <a:lstStyle/>
           <a:p>
             <a:fld id="{B61BEF0D-F0BB-DE4B-95CE-6DB70DBA9567}" type="datetimeFigureOut">
-              <a:rPr lang="en-US" dirty="0"/>
+              <a:rPr lang="en-US" smtClean="0"/>
               <a:pPr/>
-              <a:t>5/25/2017</a:t>
+              <a:t>6/5/2017</a:t>
             </a:fld>
             <a:endParaRPr lang="en-US" dirty="0"/>
           </a:p>
@@ -1150,7 +1143,7 @@
           <a:lstStyle/>
           <a:p>
             <a:fld id="{D57F1E4F-1CFF-5643-939E-217C01CDF565}" type="slidenum">
-              <a:rPr lang="en-US" dirty="0"/>
+              <a:rPr lang="en-US" smtClean="0"/>
               <a:pPr/>
               <a:t>‹№›</a:t>
             </a:fld>
@@ -1159,6 +1152,11 @@
         </p:txBody>
       </p:sp>
     </p:spTree>
+    <p:extLst>
+      <p:ext uri="{BB962C8B-B14F-4D97-AF65-F5344CB8AC3E}">
+        <p14:creationId xmlns:p14="http://schemas.microsoft.com/office/powerpoint/2010/main" val="3921613137"/>
+      </p:ext>
+    </p:extLst>
   </p:cSld>
   <p:clrMapOvr>
     <a:masterClrMapping/>
@@ -1418,9 +1416,9 @@
           <a:lstStyle/>
           <a:p>
             <a:fld id="{B61BEF0D-F0BB-DE4B-95CE-6DB70DBA9567}" type="datetimeFigureOut">
-              <a:rPr lang="en-US" dirty="0"/>
+              <a:rPr lang="en-US" smtClean="0"/>
               <a:pPr/>
-              <a:t>5/25/2017</a:t>
+              <a:t>6/5/2017</a:t>
             </a:fld>
             <a:endParaRPr lang="en-US" dirty="0"/>
           </a:p>
@@ -1461,7 +1459,7 @@
           <a:lstStyle/>
           <a:p>
             <a:fld id="{D57F1E4F-1CFF-5643-939E-217C01CDF565}" type="slidenum">
-              <a:rPr lang="en-US" dirty="0"/>
+              <a:rPr lang="en-US" smtClean="0"/>
               <a:pPr/>
               <a:t>‹№›</a:t>
             </a:fld>
@@ -1471,7 +1469,7 @@
       </p:sp>
       <p:sp>
         <p:nvSpPr>
-          <p:cNvPr id="24" name="TextBox 23"/>
+          <p:cNvPr id="20" name="TextBox 19"/>
           <p:cNvSpPr txBox="1"/>
           <p:nvPr/>
         </p:nvSpPr>
@@ -1497,10 +1495,7 @@
                   <a:noFill/>
                 </a:ln>
                 <a:solidFill>
-                  <a:schemeClr val="accent1">
-                    <a:lumMod val="60000"/>
-                    <a:lumOff val="40000"/>
-                  </a:schemeClr>
+                  <a:schemeClr val="accent1"/>
                 </a:solidFill>
                 <a:effectLst/>
                 <a:latin typeface="Arial"/>
@@ -1512,7 +1507,7 @@
       </p:sp>
       <p:sp>
         <p:nvSpPr>
-          <p:cNvPr id="25" name="TextBox 24"/>
+          <p:cNvPr id="22" name="TextBox 21"/>
           <p:cNvSpPr txBox="1"/>
           <p:nvPr/>
         </p:nvSpPr>
@@ -1538,10 +1533,7 @@
                   <a:noFill/>
                 </a:ln>
                 <a:solidFill>
-                  <a:schemeClr val="accent1">
-                    <a:lumMod val="60000"/>
-                    <a:lumOff val="40000"/>
-                  </a:schemeClr>
+                  <a:schemeClr val="accent1"/>
                 </a:solidFill>
                 <a:effectLst/>
                 <a:latin typeface="Arial"/>
@@ -1552,6 +1544,11 @@
         </p:txBody>
       </p:sp>
     </p:spTree>
+    <p:extLst>
+      <p:ext uri="{BB962C8B-B14F-4D97-AF65-F5344CB8AC3E}">
+        <p14:creationId xmlns:p14="http://schemas.microsoft.com/office/powerpoint/2010/main" val="2269476444"/>
+      </p:ext>
+    </p:extLst>
   </p:cSld>
   <p:clrMapOvr>
     <a:masterClrMapping/>
@@ -1748,9 +1745,9 @@
           <a:lstStyle/>
           <a:p>
             <a:fld id="{B61BEF0D-F0BB-DE4B-95CE-6DB70DBA9567}" type="datetimeFigureOut">
-              <a:rPr lang="en-US" dirty="0"/>
+              <a:rPr lang="en-US" smtClean="0"/>
               <a:pPr/>
-              <a:t>5/25/2017</a:t>
+              <a:t>6/5/2017</a:t>
             </a:fld>
             <a:endParaRPr lang="en-US" dirty="0"/>
           </a:p>
@@ -1791,7 +1788,7 @@
           <a:lstStyle/>
           <a:p>
             <a:fld id="{D57F1E4F-1CFF-5643-939E-217C01CDF565}" type="slidenum">
-              <a:rPr lang="en-US" dirty="0"/>
+              <a:rPr lang="en-US" smtClean="0"/>
               <a:pPr/>
               <a:t>‹№›</a:t>
             </a:fld>
@@ -1800,6 +1797,11 @@
         </p:txBody>
       </p:sp>
     </p:spTree>
+    <p:extLst>
+      <p:ext uri="{BB962C8B-B14F-4D97-AF65-F5344CB8AC3E}">
+        <p14:creationId xmlns:p14="http://schemas.microsoft.com/office/powerpoint/2010/main" val="1216088759"/>
+      </p:ext>
+    </p:extLst>
   </p:cSld>
   <p:clrMapOvr>
     <a:masterClrMapping/>
@@ -2059,9 +2061,9 @@
           <a:lstStyle/>
           <a:p>
             <a:fld id="{B61BEF0D-F0BB-DE4B-95CE-6DB70DBA9567}" type="datetimeFigureOut">
-              <a:rPr lang="en-US" dirty="0"/>
+              <a:rPr lang="en-US" smtClean="0"/>
               <a:pPr/>
-              <a:t>5/25/2017</a:t>
+              <a:t>6/5/2017</a:t>
             </a:fld>
             <a:endParaRPr lang="en-US" dirty="0"/>
           </a:p>
@@ -2102,7 +2104,7 @@
           <a:lstStyle/>
           <a:p>
             <a:fld id="{D57F1E4F-1CFF-5643-939E-217C01CDF565}" type="slidenum">
-              <a:rPr lang="en-US" dirty="0"/>
+              <a:rPr lang="en-US" smtClean="0"/>
               <a:pPr/>
               <a:t>‹№›</a:t>
             </a:fld>
@@ -2138,10 +2140,7 @@
                   <a:noFill/>
                 </a:ln>
                 <a:solidFill>
-                  <a:schemeClr val="accent1">
-                    <a:lumMod val="60000"/>
-                    <a:lumOff val="40000"/>
-                  </a:schemeClr>
+                  <a:schemeClr val="accent1"/>
                 </a:solidFill>
                 <a:effectLst/>
                 <a:latin typeface="Arial"/>
@@ -2179,10 +2178,7 @@
                   <a:noFill/>
                 </a:ln>
                 <a:solidFill>
-                  <a:schemeClr val="accent1">
-                    <a:lumMod val="60000"/>
-                    <a:lumOff val="40000"/>
-                  </a:schemeClr>
+                  <a:schemeClr val="accent1"/>
                 </a:solidFill>
                 <a:effectLst/>
                 <a:latin typeface="Arial"/>
@@ -2193,6 +2189,11 @@
         </p:txBody>
       </p:sp>
     </p:spTree>
+    <p:extLst>
+      <p:ext uri="{BB962C8B-B14F-4D97-AF65-F5344CB8AC3E}">
+        <p14:creationId xmlns:p14="http://schemas.microsoft.com/office/powerpoint/2010/main" val="2762909951"/>
+      </p:ext>
+    </p:extLst>
   </p:cSld>
   <p:clrMapOvr>
     <a:masterClrMapping/>
@@ -2449,9 +2450,9 @@
           <a:lstStyle/>
           <a:p>
             <a:fld id="{B61BEF0D-F0BB-DE4B-95CE-6DB70DBA9567}" type="datetimeFigureOut">
-              <a:rPr lang="en-US" dirty="0"/>
+              <a:rPr lang="en-US" smtClean="0"/>
               <a:pPr/>
-              <a:t>5/25/2017</a:t>
+              <a:t>6/5/2017</a:t>
             </a:fld>
             <a:endParaRPr lang="en-US" dirty="0"/>
           </a:p>
@@ -2492,7 +2493,7 @@
           <a:lstStyle/>
           <a:p>
             <a:fld id="{D57F1E4F-1CFF-5643-939E-217C01CDF565}" type="slidenum">
-              <a:rPr lang="en-US" dirty="0"/>
+              <a:rPr lang="en-US" smtClean="0"/>
               <a:pPr/>
               <a:t>‹№›</a:t>
             </a:fld>
@@ -2501,6 +2502,11 @@
         </p:txBody>
       </p:sp>
     </p:spTree>
+    <p:extLst>
+      <p:ext uri="{BB962C8B-B14F-4D97-AF65-F5344CB8AC3E}">
+        <p14:creationId xmlns:p14="http://schemas.microsoft.com/office/powerpoint/2010/main" val="3320971354"/>
+      </p:ext>
+    </p:extLst>
   </p:cSld>
   <p:clrMapOvr>
     <a:masterClrMapping/>
@@ -2616,8 +2622,8 @@
           <a:lstStyle/>
           <a:p>
             <a:fld id="{55C6B4A9-1611-4792-9094-5F34BCA07E0B}" type="datetimeFigureOut">
-              <a:rPr lang="en-US" dirty="0"/>
-              <a:t>5/25/2017</a:t>
+              <a:rPr lang="en-US" smtClean="0"/>
+              <a:t>6/5/2017</a:t>
             </a:fld>
             <a:endParaRPr lang="en-US" dirty="0"/>
           </a:p>
@@ -2658,7 +2664,7 @@
           <a:lstStyle/>
           <a:p>
             <a:fld id="{89333C77-0158-454C-844F-B7AB9BD7DAD4}" type="slidenum">
-              <a:rPr lang="en-US" dirty="0"/>
+              <a:rPr lang="en-US" smtClean="0"/>
               <a:t>‹№›</a:t>
             </a:fld>
             <a:endParaRPr lang="en-US" dirty="0"/>
@@ -2666,6 +2672,11 @@
         </p:txBody>
       </p:sp>
     </p:spTree>
+    <p:extLst>
+      <p:ext uri="{BB962C8B-B14F-4D97-AF65-F5344CB8AC3E}">
+        <p14:creationId xmlns:p14="http://schemas.microsoft.com/office/powerpoint/2010/main" val="1635201579"/>
+      </p:ext>
+    </p:extLst>
   </p:cSld>
   <p:clrMapOvr>
     <a:masterClrMapping/>
@@ -2791,9 +2802,9 @@
           <a:lstStyle/>
           <a:p>
             <a:fld id="{B61BEF0D-F0BB-DE4B-95CE-6DB70DBA9567}" type="datetimeFigureOut">
-              <a:rPr lang="en-US" dirty="0"/>
+              <a:rPr lang="en-US" smtClean="0"/>
               <a:pPr/>
-              <a:t>5/25/2017</a:t>
+              <a:t>6/5/2017</a:t>
             </a:fld>
             <a:endParaRPr lang="en-US" dirty="0"/>
           </a:p>
@@ -2834,7 +2845,7 @@
           <a:lstStyle/>
           <a:p>
             <a:fld id="{D57F1E4F-1CFF-5643-939E-217C01CDF565}" type="slidenum">
-              <a:rPr lang="en-US" dirty="0"/>
+              <a:rPr lang="en-US" smtClean="0"/>
               <a:pPr/>
               <a:t>‹№›</a:t>
             </a:fld>
@@ -2843,6 +2854,11 @@
         </p:txBody>
       </p:sp>
     </p:spTree>
+    <p:extLst>
+      <p:ext uri="{BB962C8B-B14F-4D97-AF65-F5344CB8AC3E}">
+        <p14:creationId xmlns:p14="http://schemas.microsoft.com/office/powerpoint/2010/main" val="157451770"/>
+      </p:ext>
+    </p:extLst>
   </p:cSld>
   <p:clrMapOvr>
     <a:masterClrMapping/>
@@ -2879,25 +2895,83 @@
         </p:nvSpPr>
         <p:spPr/>
         <p:txBody>
+          <a:bodyPr>
+            <a:normAutofit/>
+          </a:bodyPr>
+          <a:lstStyle>
+            <a:lvl1pPr>
+              <a:defRPr sz="3600"/>
+            </a:lvl1pPr>
+          </a:lstStyle>
+          <a:p>
+            <a:r>
+              <a:rPr lang="uk-UA"/>
+              <a:t>Зразок заголовка</a:t>
+            </a:r>
+            <a:endParaRPr lang="en-US" dirty="0"/>
+          </a:p>
+        </p:txBody>
+      </p:sp>
+      <p:sp>
+        <p:nvSpPr>
+          <p:cNvPr id="3" name="Content Placeholder 2"/>
+          <p:cNvSpPr>
+            <a:spLocks noGrp="1"/>
+          </p:cNvSpPr>
+          <p:nvPr>
+            <p:ph idx="1"/>
+          </p:nvPr>
+        </p:nvSpPr>
+        <p:spPr/>
+        <p:txBody>
           <a:bodyPr/>
           <a:lstStyle/>
           <a:p>
-            <a:r>
-              <a:rPr lang="uk-UA"/>
-              <a:t>Зразок заголовка</a:t>
-            </a:r>
-            <a:endParaRPr lang="en-US" dirty="0"/>
-          </a:p>
-        </p:txBody>
-      </p:sp>
-      <p:sp>
-        <p:nvSpPr>
-          <p:cNvPr id="3" name="Content Placeholder 2"/>
-          <p:cNvSpPr>
-            <a:spLocks noGrp="1"/>
-          </p:cNvSpPr>
-          <p:nvPr>
-            <p:ph idx="1"/>
+            <a:pPr lvl="0"/>
+            <a:r>
+              <a:rPr lang="uk-UA"/>
+              <a:t>Редагувати стиль зразка тексту</a:t>
+            </a:r>
+          </a:p>
+          <a:p>
+            <a:pPr lvl="1"/>
+            <a:r>
+              <a:rPr lang="uk-UA"/>
+              <a:t>Другий рівень</a:t>
+            </a:r>
+          </a:p>
+          <a:p>
+            <a:pPr lvl="2"/>
+            <a:r>
+              <a:rPr lang="uk-UA"/>
+              <a:t>Третій рівень</a:t>
+            </a:r>
+          </a:p>
+          <a:p>
+            <a:pPr lvl="3"/>
+            <a:r>
+              <a:rPr lang="uk-UA"/>
+              <a:t>Четвертий рівень</a:t>
+            </a:r>
+          </a:p>
+          <a:p>
+            <a:pPr lvl="4"/>
+            <a:r>
+              <a:rPr lang="uk-UA"/>
+              <a:t>П’ятий рівень</a:t>
+            </a:r>
+            <a:endParaRPr lang="en-US" dirty="0"/>
+          </a:p>
+        </p:txBody>
+      </p:sp>
+      <p:sp>
+        <p:nvSpPr>
+          <p:cNvPr id="4" name="Date Placeholder 3"/>
+          <p:cNvSpPr>
+            <a:spLocks noGrp="1"/>
+          </p:cNvSpPr>
+          <p:nvPr>
+            <p:ph type="dt" sz="half" idx="10"/>
           </p:nvPr>
         </p:nvSpPr>
         <p:spPr/>
@@ -2905,51 +2979,22 @@
           <a:bodyPr/>
           <a:lstStyle/>
           <a:p>
-            <a:pPr lvl="0"/>
-            <a:r>
-              <a:rPr lang="uk-UA"/>
-              <a:t>Редагувати стиль зразка тексту</a:t>
-            </a:r>
-          </a:p>
-          <a:p>
-            <a:pPr lvl="1"/>
-            <a:r>
-              <a:rPr lang="uk-UA"/>
-              <a:t>Другий рівень</a:t>
-            </a:r>
-          </a:p>
-          <a:p>
-            <a:pPr lvl="2"/>
-            <a:r>
-              <a:rPr lang="uk-UA"/>
-              <a:t>Третій рівень</a:t>
-            </a:r>
-          </a:p>
-          <a:p>
-            <a:pPr lvl="3"/>
-            <a:r>
-              <a:rPr lang="uk-UA"/>
-              <a:t>Четвертий рівень</a:t>
-            </a:r>
-          </a:p>
-          <a:p>
-            <a:pPr lvl="4"/>
-            <a:r>
-              <a:rPr lang="uk-UA"/>
-              <a:t>П’ятий рівень</a:t>
-            </a:r>
-            <a:endParaRPr lang="en-US" dirty="0"/>
-          </a:p>
-        </p:txBody>
-      </p:sp>
-      <p:sp>
-        <p:nvSpPr>
-          <p:cNvPr id="4" name="Date Placeholder 3"/>
-          <p:cNvSpPr>
-            <a:spLocks noGrp="1"/>
-          </p:cNvSpPr>
-          <p:nvPr>
-            <p:ph type="dt" sz="half" idx="10"/>
+            <a:fld id="{42A54C80-263E-416B-A8E0-580EDEADCBDC}" type="datetimeFigureOut">
+              <a:rPr lang="en-US" smtClean="0"/>
+              <a:t>6/5/2017</a:t>
+            </a:fld>
+            <a:endParaRPr lang="en-US" dirty="0"/>
+          </a:p>
+        </p:txBody>
+      </p:sp>
+      <p:sp>
+        <p:nvSpPr>
+          <p:cNvPr id="5" name="Footer Placeholder 4"/>
+          <p:cNvSpPr>
+            <a:spLocks noGrp="1"/>
+          </p:cNvSpPr>
+          <p:nvPr>
+            <p:ph type="ftr" sz="quarter" idx="11"/>
           </p:nvPr>
         </p:nvSpPr>
         <p:spPr/>
@@ -2957,22 +3002,18 @@
           <a:bodyPr/>
           <a:lstStyle/>
           <a:p>
-            <a:fld id="{42A54C80-263E-416B-A8E0-580EDEADCBDC}" type="datetimeFigureOut">
-              <a:rPr lang="en-US" dirty="0"/>
-              <a:t>5/25/2017</a:t>
-            </a:fld>
-            <a:endParaRPr lang="en-US" dirty="0"/>
-          </a:p>
-        </p:txBody>
-      </p:sp>
-      <p:sp>
-        <p:nvSpPr>
-          <p:cNvPr id="5" name="Footer Placeholder 4"/>
-          <p:cNvSpPr>
-            <a:spLocks noGrp="1"/>
-          </p:cNvSpPr>
-          <p:nvPr>
-            <p:ph type="ftr" sz="quarter" idx="11"/>
+            <a:endParaRPr lang="en-US" dirty="0"/>
+          </a:p>
+        </p:txBody>
+      </p:sp>
+      <p:sp>
+        <p:nvSpPr>
+          <p:cNvPr id="6" name="Slide Number Placeholder 5"/>
+          <p:cNvSpPr>
+            <a:spLocks noGrp="1"/>
+          </p:cNvSpPr>
+          <p:nvPr>
+            <p:ph type="sldNum" sz="quarter" idx="12"/>
           </p:nvPr>
         </p:nvSpPr>
         <p:spPr/>
@@ -2980,27 +3021,8 @@
           <a:bodyPr/>
           <a:lstStyle/>
           <a:p>
-            <a:endParaRPr lang="en-US" dirty="0"/>
-          </a:p>
-        </p:txBody>
-      </p:sp>
-      <p:sp>
-        <p:nvSpPr>
-          <p:cNvPr id="6" name="Slide Number Placeholder 5"/>
-          <p:cNvSpPr>
-            <a:spLocks noGrp="1"/>
-          </p:cNvSpPr>
-          <p:nvPr>
-            <p:ph type="sldNum" sz="quarter" idx="12"/>
-          </p:nvPr>
-        </p:nvSpPr>
-        <p:spPr/>
-        <p:txBody>
-          <a:bodyPr/>
-          <a:lstStyle/>
-          <a:p>
             <a:fld id="{519954A3-9DFD-4C44-94BA-B95130A3BA1C}" type="slidenum">
-              <a:rPr lang="en-US" dirty="0"/>
+              <a:rPr lang="en-US" smtClean="0"/>
               <a:t>‹№›</a:t>
             </a:fld>
             <a:endParaRPr lang="en-US" dirty="0"/>
@@ -3008,6 +3030,11 @@
         </p:txBody>
       </p:sp>
     </p:spTree>
+    <p:extLst>
+      <p:ext uri="{BB962C8B-B14F-4D97-AF65-F5344CB8AC3E}">
+        <p14:creationId xmlns:p14="http://schemas.microsoft.com/office/powerpoint/2010/main" val="1944518507"/>
+      </p:ext>
+    </p:extLst>
   </p:cSld>
   <p:clrMapOvr>
     <a:masterClrMapping/>
@@ -3200,9 +3227,9 @@
           <a:lstStyle/>
           <a:p>
             <a:fld id="{B61BEF0D-F0BB-DE4B-95CE-6DB70DBA9567}" type="datetimeFigureOut">
-              <a:rPr lang="en-US" dirty="0"/>
+              <a:rPr lang="en-US" smtClean="0"/>
               <a:pPr/>
-              <a:t>5/25/2017</a:t>
+              <a:t>6/5/2017</a:t>
             </a:fld>
             <a:endParaRPr lang="en-US" dirty="0"/>
           </a:p>
@@ -3243,7 +3270,7 @@
           <a:lstStyle/>
           <a:p>
             <a:fld id="{D57F1E4F-1CFF-5643-939E-217C01CDF565}" type="slidenum">
-              <a:rPr lang="en-US" dirty="0"/>
+              <a:rPr lang="en-US" smtClean="0"/>
               <a:pPr/>
               <a:t>‹№›</a:t>
             </a:fld>
@@ -3252,6 +3279,11 @@
         </p:txBody>
       </p:sp>
     </p:spTree>
+    <p:extLst>
+      <p:ext uri="{BB962C8B-B14F-4D97-AF65-F5344CB8AC3E}">
+        <p14:creationId xmlns:p14="http://schemas.microsoft.com/office/powerpoint/2010/main" val="2407702333"/>
+      </p:ext>
+    </p:extLst>
   </p:cSld>
   <p:clrMapOvr>
     <a:masterClrMapping/>
@@ -3429,8 +3461,8 @@
           <a:lstStyle/>
           <a:p>
             <a:fld id="{42A54C80-263E-416B-A8E0-580EDEADCBDC}" type="datetimeFigureOut">
-              <a:rPr lang="en-US" dirty="0"/>
-              <a:t>5/25/2017</a:t>
+              <a:rPr lang="en-US" smtClean="0"/>
+              <a:t>6/5/2017</a:t>
             </a:fld>
             <a:endParaRPr lang="en-US" dirty="0"/>
           </a:p>
@@ -3471,7 +3503,7 @@
           <a:lstStyle/>
           <a:p>
             <a:fld id="{519954A3-9DFD-4C44-94BA-B95130A3BA1C}" type="slidenum">
-              <a:rPr lang="en-US" dirty="0"/>
+              <a:rPr lang="en-US" smtClean="0"/>
               <a:t>‹№›</a:t>
             </a:fld>
             <a:endParaRPr lang="en-US" dirty="0"/>
@@ -3479,6 +3511,11 @@
         </p:txBody>
       </p:sp>
     </p:spTree>
+    <p:extLst>
+      <p:ext uri="{BB962C8B-B14F-4D97-AF65-F5344CB8AC3E}">
+        <p14:creationId xmlns:p14="http://schemas.microsoft.com/office/powerpoint/2010/main" val="2972930999"/>
+      </p:ext>
+    </p:extLst>
   </p:cSld>
   <p:clrMapOvr>
     <a:masterClrMapping/>
@@ -3798,9 +3835,9 @@
           <a:lstStyle/>
           <a:p>
             <a:fld id="{B61BEF0D-F0BB-DE4B-95CE-6DB70DBA9567}" type="datetimeFigureOut">
-              <a:rPr lang="en-US" dirty="0"/>
+              <a:rPr lang="en-US" smtClean="0"/>
               <a:pPr/>
-              <a:t>5/25/2017</a:t>
+              <a:t>6/5/2017</a:t>
             </a:fld>
             <a:endParaRPr lang="en-US" dirty="0"/>
           </a:p>
@@ -3841,7 +3878,7 @@
           <a:lstStyle/>
           <a:p>
             <a:fld id="{D57F1E4F-1CFF-5643-939E-217C01CDF565}" type="slidenum">
-              <a:rPr lang="en-US" dirty="0"/>
+              <a:rPr lang="en-US" smtClean="0"/>
               <a:pPr/>
               <a:t>‹№›</a:t>
             </a:fld>
@@ -3850,6 +3887,11 @@
         </p:txBody>
       </p:sp>
     </p:spTree>
+    <p:extLst>
+      <p:ext uri="{BB962C8B-B14F-4D97-AF65-F5344CB8AC3E}">
+        <p14:creationId xmlns:p14="http://schemas.microsoft.com/office/powerpoint/2010/main" val="696840642"/>
+      </p:ext>
+    </p:extLst>
   </p:cSld>
   <p:clrMapOvr>
     <a:masterClrMapping/>
@@ -3918,9 +3960,9 @@
           <a:lstStyle/>
           <a:p>
             <a:fld id="{B61BEF0D-F0BB-DE4B-95CE-6DB70DBA9567}" type="datetimeFigureOut">
-              <a:rPr lang="en-US" dirty="0"/>
+              <a:rPr lang="en-US" smtClean="0"/>
               <a:pPr/>
-              <a:t>5/25/2017</a:t>
+              <a:t>6/5/2017</a:t>
             </a:fld>
             <a:endParaRPr lang="en-US" dirty="0"/>
           </a:p>
@@ -3961,7 +4003,7 @@
           <a:lstStyle/>
           <a:p>
             <a:fld id="{D57F1E4F-1CFF-5643-939E-217C01CDF565}" type="slidenum">
-              <a:rPr lang="en-US" dirty="0"/>
+              <a:rPr lang="en-US" smtClean="0"/>
               <a:pPr/>
               <a:t>‹№›</a:t>
             </a:fld>
@@ -3970,6 +4012,11 @@
         </p:txBody>
       </p:sp>
     </p:spTree>
+    <p:extLst>
+      <p:ext uri="{BB962C8B-B14F-4D97-AF65-F5344CB8AC3E}">
+        <p14:creationId xmlns:p14="http://schemas.microsoft.com/office/powerpoint/2010/main" val="832469348"/>
+      </p:ext>
+    </p:extLst>
   </p:cSld>
   <p:clrMapOvr>
     <a:masterClrMapping/>
@@ -4010,9 +4057,9 @@
           <a:lstStyle/>
           <a:p>
             <a:fld id="{B61BEF0D-F0BB-DE4B-95CE-6DB70DBA9567}" type="datetimeFigureOut">
-              <a:rPr lang="en-US" dirty="0"/>
+              <a:rPr lang="en-US" smtClean="0"/>
               <a:pPr/>
-              <a:t>5/25/2017</a:t>
+              <a:t>6/5/2017</a:t>
             </a:fld>
             <a:endParaRPr lang="en-US" dirty="0"/>
           </a:p>
@@ -4053,7 +4100,7 @@
           <a:lstStyle/>
           <a:p>
             <a:fld id="{D57F1E4F-1CFF-5643-939E-217C01CDF565}" type="slidenum">
-              <a:rPr lang="en-US" dirty="0"/>
+              <a:rPr lang="en-US" smtClean="0"/>
               <a:pPr/>
               <a:t>‹№›</a:t>
             </a:fld>
@@ -4062,6 +4109,11 @@
         </p:txBody>
       </p:sp>
     </p:spTree>
+    <p:extLst>
+      <p:ext uri="{BB962C8B-B14F-4D97-AF65-F5344CB8AC3E}">
+        <p14:creationId xmlns:p14="http://schemas.microsoft.com/office/powerpoint/2010/main" val="1383257160"/>
+      </p:ext>
+    </p:extLst>
   </p:cSld>
   <p:clrMapOvr>
     <a:masterClrMapping/>
@@ -4262,8 +4314,8 @@
           <a:lstStyle/>
           <a:p>
             <a:fld id="{42A54C80-263E-416B-A8E0-580EDEADCBDC}" type="datetimeFigureOut">
-              <a:rPr lang="en-US" dirty="0"/>
-              <a:t>5/25/2017</a:t>
+              <a:rPr lang="en-US" smtClean="0"/>
+              <a:t>6/5/2017</a:t>
             </a:fld>
             <a:endParaRPr lang="en-US" dirty="0"/>
           </a:p>
@@ -4304,7 +4356,7 @@
           <a:lstStyle/>
           <a:p>
             <a:fld id="{519954A3-9DFD-4C44-94BA-B95130A3BA1C}" type="slidenum">
-              <a:rPr lang="en-US" dirty="0"/>
+              <a:rPr lang="en-US" smtClean="0"/>
               <a:t>‹№›</a:t>
             </a:fld>
             <a:endParaRPr lang="en-US" dirty="0"/>
@@ -4312,6 +4364,11 @@
         </p:txBody>
       </p:sp>
     </p:spTree>
+    <p:extLst>
+      <p:ext uri="{BB962C8B-B14F-4D97-AF65-F5344CB8AC3E}">
+        <p14:creationId xmlns:p14="http://schemas.microsoft.com/office/powerpoint/2010/main" val="1837171852"/>
+      </p:ext>
+    </p:extLst>
   </p:cSld>
   <p:clrMapOvr>
     <a:masterClrMapping/>
@@ -4506,6 +4563,30 @@
       </p:sp>
       <p:sp>
         <p:nvSpPr>
+          <p:cNvPr id="5" name="Date Placeholder 4"/>
+          <p:cNvSpPr>
+            <a:spLocks noGrp="1"/>
+          </p:cNvSpPr>
+          <p:nvPr>
+            <p:ph type="dt" sz="half" idx="10"/>
+          </p:nvPr>
+        </p:nvSpPr>
+        <p:spPr/>
+        <p:txBody>
+          <a:bodyPr/>
+          <a:lstStyle/>
+          <a:p>
+            <a:fld id="{B61BEF0D-F0BB-DE4B-95CE-6DB70DBA9567}" type="datetimeFigureOut">
+              <a:rPr lang="en-US" smtClean="0"/>
+              <a:pPr/>
+              <a:t>6/5/2017</a:t>
+            </a:fld>
+            <a:endParaRPr lang="en-US" dirty="0"/>
+          </a:p>
+        </p:txBody>
+      </p:sp>
+      <p:sp>
+        <p:nvSpPr>
           <p:cNvPr id="6" name="Footer Placeholder 5"/>
           <p:cNvSpPr>
             <a:spLocks noGrp="1"/>
@@ -4539,7 +4620,7 @@
           <a:lstStyle/>
           <a:p>
             <a:fld id="{D57F1E4F-1CFF-5643-939E-217C01CDF565}" type="slidenum">
-              <a:rPr lang="en-US" dirty="0"/>
+              <a:rPr lang="en-US" smtClean="0"/>
               <a:pPr/>
               <a:t>‹№›</a:t>
             </a:fld>
@@ -4547,31 +4628,12 @@
           </a:p>
         </p:txBody>
       </p:sp>
-      <p:sp>
-        <p:nvSpPr>
-          <p:cNvPr id="5" name="Date Placeholder 4"/>
-          <p:cNvSpPr>
-            <a:spLocks noGrp="1"/>
-          </p:cNvSpPr>
-          <p:nvPr>
-            <p:ph type="dt" sz="half" idx="10"/>
-          </p:nvPr>
-        </p:nvSpPr>
-        <p:spPr/>
-        <p:txBody>
-          <a:bodyPr/>
-          <a:lstStyle/>
-          <a:p>
-            <a:fld id="{B61BEF0D-F0BB-DE4B-95CE-6DB70DBA9567}" type="datetimeFigureOut">
-              <a:rPr lang="en-US" dirty="0"/>
-              <a:pPr/>
-              <a:t>5/25/2017</a:t>
-            </a:fld>
-            <a:endParaRPr lang="en-US" dirty="0"/>
-          </a:p>
-        </p:txBody>
-      </p:sp>
     </p:spTree>
+    <p:extLst>
+      <p:ext uri="{BB962C8B-B14F-4D97-AF65-F5344CB8AC3E}">
+        <p14:creationId xmlns:p14="http://schemas.microsoft.com/office/powerpoint/2010/main" val="58979094"/>
+      </p:ext>
+    </p:extLst>
   </p:cSld>
   <p:clrMapOvr>
     <a:masterClrMapping/>
@@ -4584,7 +4646,7 @@
   <p:cSld>
     <p:bg>
       <p:bgRef idx="1001">
-        <a:schemeClr val="bg1"/>
+        <a:schemeClr val="bg2"/>
       </p:bgRef>
     </p:bg>
     <p:spTree>
@@ -4603,7 +4665,7 @@
       </p:grpSpPr>
       <p:grpSp>
         <p:nvGrpSpPr>
-          <p:cNvPr id="44" name="Group 43"/>
+          <p:cNvPr id="8" name="Group 7"/>
           <p:cNvGrpSpPr/>
           <p:nvPr/>
         </p:nvGrpSpPr>
@@ -4631,8 +4693,9 @@
             </a:prstGeom>
             <a:ln w="9525">
               <a:solidFill>
-                <a:schemeClr val="accent1">
-                  <a:alpha val="70000"/>
+                <a:schemeClr val="bg1">
+                  <a:lumMod val="85000"/>
+                  <a:lumOff val="15000"/>
                 </a:schemeClr>
               </a:solidFill>
             </a:ln>
@@ -4668,8 +4731,9 @@
             </a:prstGeom>
             <a:ln w="9525">
               <a:solidFill>
-                <a:schemeClr val="accent1">
-                  <a:alpha val="70000"/>
+                <a:schemeClr val="bg1">
+                  <a:lumMod val="85000"/>
+                  <a:lumOff val="15000"/>
                 </a:schemeClr>
               </a:solidFill>
             </a:ln>
@@ -4729,7 +4793,7 @@
             </a:custGeom>
             <a:solidFill>
               <a:schemeClr val="accent1">
-                <a:alpha val="36000"/>
+                <a:alpha val="30000"/>
               </a:schemeClr>
             </a:solidFill>
             <a:ln>
@@ -4832,9 +4896,8 @@
               </a:avLst>
             </a:prstGeom>
             <a:solidFill>
-              <a:schemeClr val="accent1">
-                <a:lumMod val="75000"/>
-                <a:alpha val="66000"/>
+              <a:schemeClr val="accent2">
+                <a:alpha val="72000"/>
               </a:schemeClr>
             </a:solidFill>
             <a:ln>
@@ -4896,9 +4959,9 @@
               </a:pathLst>
             </a:custGeom>
             <a:solidFill>
-              <a:schemeClr val="accent1">
+              <a:schemeClr val="accent2">
                 <a:lumMod val="75000"/>
-                <a:alpha val="50000"/>
+                <a:alpha val="70000"/>
               </a:schemeClr>
             </a:solidFill>
             <a:ln>
@@ -4960,7 +5023,9 @@
               </a:pathLst>
             </a:custGeom>
             <a:solidFill>
-              <a:schemeClr val="accent2">
+              <a:schemeClr val="accent1">
+                <a:lumMod val="60000"/>
+                <a:lumOff val="40000"/>
                 <a:alpha val="70000"/>
               </a:schemeClr>
             </a:solidFill>
@@ -5023,9 +5088,8 @@
               </a:pathLst>
             </a:custGeom>
             <a:solidFill>
-              <a:schemeClr val="accent2">
-                <a:lumMod val="75000"/>
-                <a:alpha val="80000"/>
+              <a:schemeClr val="accent1">
+                <a:alpha val="65000"/>
               </a:schemeClr>
             </a:solidFill>
             <a:ln>
@@ -5066,8 +5130,7 @@
             </a:prstGeom>
             <a:solidFill>
               <a:schemeClr val="accent1">
-                <a:lumMod val="75000"/>
-                <a:alpha val="66000"/>
+                <a:alpha val="80000"/>
               </a:schemeClr>
             </a:solidFill>
             <a:ln>
@@ -5092,7 +5155,7 @@
         </p:sp>
         <p:sp>
           <p:nvSpPr>
-            <p:cNvPr id="19" name="Isosceles Triangle 18"/>
+            <p:cNvPr id="29" name="Isosceles Triangle 28"/>
             <p:cNvSpPr/>
             <p:nvPr/>
           </p:nvSpPr>
@@ -5108,7 +5171,7 @@
             </a:prstGeom>
             <a:solidFill>
               <a:schemeClr val="accent1">
-                <a:alpha val="70000"/>
+                <a:alpha val="85000"/>
               </a:schemeClr>
             </a:solidFill>
             <a:ln>
@@ -5261,9 +5324,9 @@
           </a:lstStyle>
           <a:p>
             <a:fld id="{B61BEF0D-F0BB-DE4B-95CE-6DB70DBA9567}" type="datetimeFigureOut">
-              <a:rPr lang="en-US" dirty="0"/>
+              <a:rPr lang="en-US" smtClean="0"/>
               <a:pPr/>
-              <a:t>5/25/2017</a:t>
+              <a:t>6/5/2017</a:t>
             </a:fld>
             <a:endParaRPr lang="en-US" dirty="0"/>
           </a:p>
@@ -5338,7 +5401,7 @@
           </a:lstStyle>
           <a:p>
             <a:fld id="{D57F1E4F-1CFF-5643-939E-217C01CDF565}" type="slidenum">
-              <a:rPr lang="en-US" dirty="0"/>
+              <a:rPr lang="en-US" smtClean="0"/>
               <a:pPr/>
               <a:t>‹№›</a:t>
             </a:fld>
@@ -5347,25 +5410,30 @@
         </p:txBody>
       </p:sp>
     </p:spTree>
+    <p:extLst>
+      <p:ext uri="{BB962C8B-B14F-4D97-AF65-F5344CB8AC3E}">
+        <p14:creationId xmlns:p14="http://schemas.microsoft.com/office/powerpoint/2010/main" val="975120142"/>
+      </p:ext>
+    </p:extLst>
   </p:cSld>
-  <p:clrMap bg1="lt1" tx1="dk1" bg2="lt2" tx2="dk2" accent1="accent1" accent2="accent2" accent3="accent3" accent4="accent4" accent5="accent5" accent6="accent6" hlink="hlink" folHlink="folHlink"/>
+  <p:clrMap bg1="dk1" tx1="lt1" bg2="dk2" tx2="lt2" accent1="accent1" accent2="accent2" accent3="accent3" accent4="accent4" accent5="accent5" accent6="accent6" hlink="hlink" folHlink="folHlink"/>
   <p:sldLayoutIdLst>
-    <p:sldLayoutId id="2147483649" r:id="rId1"/>
-    <p:sldLayoutId id="2147483665" r:id="rId2"/>
-    <p:sldLayoutId id="2147483651" r:id="rId3"/>
-    <p:sldLayoutId id="2147483666" r:id="rId4"/>
-    <p:sldLayoutId id="2147483653" r:id="rId5"/>
-    <p:sldLayoutId id="2147483654" r:id="rId6"/>
-    <p:sldLayoutId id="2147483655" r:id="rId7"/>
-    <p:sldLayoutId id="2147483667" r:id="rId8"/>
-    <p:sldLayoutId id="2147483657" r:id="rId9"/>
-    <p:sldLayoutId id="2147483660" r:id="rId10"/>
-    <p:sldLayoutId id="2147483661" r:id="rId11"/>
-    <p:sldLayoutId id="2147483662" r:id="rId12"/>
-    <p:sldLayoutId id="2147483663" r:id="rId13"/>
-    <p:sldLayoutId id="2147483664" r:id="rId14"/>
-    <p:sldLayoutId id="2147483668" r:id="rId15"/>
-    <p:sldLayoutId id="2147483659" r:id="rId16"/>
+    <p:sldLayoutId id="2147483670" r:id="rId1"/>
+    <p:sldLayoutId id="2147483671" r:id="rId2"/>
+    <p:sldLayoutId id="2147483672" r:id="rId3"/>
+    <p:sldLayoutId id="2147483673" r:id="rId4"/>
+    <p:sldLayoutId id="2147483674" r:id="rId5"/>
+    <p:sldLayoutId id="2147483675" r:id="rId6"/>
+    <p:sldLayoutId id="2147483676" r:id="rId7"/>
+    <p:sldLayoutId id="2147483677" r:id="rId8"/>
+    <p:sldLayoutId id="2147483678" r:id="rId9"/>
+    <p:sldLayoutId id="2147483679" r:id="rId10"/>
+    <p:sldLayoutId id="2147483680" r:id="rId11"/>
+    <p:sldLayoutId id="2147483681" r:id="rId12"/>
+    <p:sldLayoutId id="2147483682" r:id="rId13"/>
+    <p:sldLayoutId id="2147483683" r:id="rId14"/>
+    <p:sldLayoutId id="2147483684" r:id="rId15"/>
+    <p:sldLayoutId id="2147483685" r:id="rId16"/>
   </p:sldLayoutIdLst>
   <p:txStyles>
     <p:titleStyle>
@@ -6016,13 +6084,13 @@
       </p:sp>
       <p:pic>
         <p:nvPicPr>
-          <p:cNvPr id="1028" name="Picture 4" descr="Результат пошуку зображень за запитом &quot;тестування студентів&quot;"/>
+          <p:cNvPr id="6" name="Picture 4" descr="Результат пошуку зображень за запитом &quot;тестування&quot;"/>
           <p:cNvPicPr>
             <a:picLocks noChangeAspect="1" noChangeArrowheads="1"/>
           </p:cNvPicPr>
           <p:nvPr/>
         </p:nvPicPr>
-        <p:blipFill>
+        <p:blipFill rotWithShape="1">
           <a:blip r:embed="rId2">
             <a:extLst>
               <a:ext uri="{28A0092B-C50C-407E-A947-70E740481C1C}">
@@ -6030,15 +6098,13 @@
               </a:ext>
             </a:extLst>
           </a:blip>
-          <a:srcRect/>
-          <a:stretch>
-            <a:fillRect/>
-          </a:stretch>
+          <a:srcRect r="44358"/>
+          <a:stretch/>
         </p:blipFill>
         <p:spPr bwMode="auto">
           <a:xfrm>
-            <a:off x="5892600" y="1474573"/>
-            <a:ext cx="4905420" cy="2529016"/>
+            <a:off x="6004767" y="1474573"/>
+            <a:ext cx="4769913" cy="4057650"/>
           </a:xfrm>
           <a:prstGeom prst="rect">
             <a:avLst/>
@@ -6125,80 +6191,71 @@
         <p:spPr>
           <a:xfrm>
             <a:off x="677334" y="1499286"/>
-            <a:ext cx="5097390" cy="4868563"/>
+            <a:ext cx="6073986" cy="4868563"/>
           </a:xfrm>
         </p:spPr>
         <p:txBody>
-          <a:bodyPr/>
-          <a:lstStyle/>
-          <a:p>
-            <a:r>
-              <a:rPr lang="uk-UA" dirty="0"/>
-              <a:t>Тести Крок</a:t>
-            </a:r>
-          </a:p>
-          <a:p>
-            <a:r>
-              <a:rPr lang="uk-UA" dirty="0"/>
-              <a:t>ЗНО 2017</a:t>
-            </a:r>
-          </a:p>
-          <a:p>
-            <a:r>
-              <a:rPr lang="en-US" dirty="0" err="1"/>
-              <a:t>Duolingo</a:t>
-            </a:r>
-            <a:r>
-              <a:rPr lang="en-US" dirty="0"/>
-              <a:t>: </a:t>
-            </a:r>
-            <a:r>
-              <a:rPr lang="uk-UA" dirty="0"/>
-              <a:t>Вивчай мови безкоштовно</a:t>
-            </a:r>
-          </a:p>
-          <a:p>
-            <a:r>
-              <a:rPr lang="uk-UA" dirty="0" err="1"/>
-              <a:t>Английский</a:t>
-            </a:r>
-            <a:r>
-              <a:rPr lang="uk-UA" dirty="0"/>
-              <a:t> с </a:t>
-            </a:r>
-            <a:r>
-              <a:rPr lang="en-US" dirty="0" err="1"/>
-              <a:t>Lingualeo</a:t>
-            </a:r>
-            <a:endParaRPr lang="uk-UA" dirty="0"/>
-          </a:p>
-          <a:p>
-            <a:r>
-              <a:rPr lang="uk-UA" dirty="0" err="1"/>
-              <a:t>Английский</a:t>
-            </a:r>
-            <a:r>
-              <a:rPr lang="uk-UA" dirty="0"/>
-              <a:t> </a:t>
-            </a:r>
-            <a:r>
-              <a:rPr lang="uk-UA" dirty="0" err="1"/>
-              <a:t>разговорник</a:t>
-            </a:r>
-            <a:endParaRPr lang="uk-UA" dirty="0"/>
-          </a:p>
-          <a:p>
-            <a:r>
-              <a:rPr lang="ru-RU" dirty="0"/>
-              <a:t>Математика. Система тестов для детей 5-7 лет – система тестов для детей 5-7 лет</a:t>
-            </a:r>
-            <a:endParaRPr lang="uk-UA" dirty="0"/>
+          <a:bodyPr>
+            <a:normAutofit/>
+          </a:bodyPr>
+          <a:lstStyle/>
+          <a:p>
+            <a:r>
+              <a:rPr lang="uk-UA" sz="2400" dirty="0"/>
+              <a:t>«ЗНО 2017»</a:t>
+            </a:r>
+          </a:p>
+          <a:p>
+            <a:r>
+              <a:rPr lang="uk-UA" sz="2400" dirty="0"/>
+              <a:t>«Тести Крок»</a:t>
+            </a:r>
+          </a:p>
+          <a:p>
+            <a:r>
+              <a:rPr lang="uk-UA" sz="2400" dirty="0"/>
+              <a:t>«Вивчаємо китайський - </a:t>
+            </a:r>
+            <a:r>
+              <a:rPr lang="en-US" sz="2400" dirty="0" err="1"/>
+              <a:t>ChineseSkill</a:t>
+            </a:r>
+            <a:r>
+              <a:rPr lang="uk-UA" sz="2400" dirty="0"/>
+              <a:t>»</a:t>
+            </a:r>
+          </a:p>
+          <a:p>
+            <a:r>
+              <a:rPr lang="uk-UA" sz="2400" dirty="0"/>
+              <a:t>«</a:t>
+            </a:r>
+            <a:r>
+              <a:rPr lang="en-US" sz="2400" dirty="0"/>
+              <a:t>English Grammar Test</a:t>
+            </a:r>
+            <a:r>
+              <a:rPr lang="uk-UA" sz="2400" dirty="0"/>
+              <a:t>»</a:t>
+            </a:r>
+          </a:p>
+          <a:p>
+            <a:r>
+              <a:rPr lang="uk-UA" sz="2400" dirty="0"/>
+              <a:t>«Крок Помічник»</a:t>
+            </a:r>
+          </a:p>
+          <a:p>
+            <a:r>
+              <a:rPr lang="uk-UA" sz="2400" dirty="0"/>
+              <a:t>«Аудіювання. Англійська мова.»</a:t>
+            </a:r>
           </a:p>
         </p:txBody>
       </p:sp>
       <p:pic>
         <p:nvPicPr>
-          <p:cNvPr id="5" name="Рисунок 4"/>
+          <p:cNvPr id="4" name="Рисунок 3"/>
           <p:cNvPicPr>
             <a:picLocks noChangeAspect="1"/>
           </p:cNvPicPr>
@@ -6212,8 +6269,8 @@
         </p:blipFill>
         <p:spPr>
           <a:xfrm>
-            <a:off x="8166756" y="137813"/>
-            <a:ext cx="1838325" cy="2809875"/>
+            <a:off x="8518062" y="337139"/>
+            <a:ext cx="2511941" cy="4417741"/>
           </a:xfrm>
           <a:prstGeom prst="rect">
             <a:avLst/>
@@ -6222,7 +6279,7 @@
       </p:pic>
       <p:pic>
         <p:nvPicPr>
-          <p:cNvPr id="6" name="Рисунок 5"/>
+          <p:cNvPr id="8" name="Рисунок 7"/>
           <p:cNvPicPr>
             <a:picLocks noChangeAspect="1"/>
           </p:cNvPicPr>
@@ -6236,8 +6293,8 @@
         </p:blipFill>
         <p:spPr>
           <a:xfrm>
-            <a:off x="6126891" y="1276864"/>
-            <a:ext cx="2590800" cy="4419600"/>
+            <a:off x="7863079" y="1400432"/>
+            <a:ext cx="2456502" cy="4071736"/>
           </a:xfrm>
           <a:prstGeom prst="rect">
             <a:avLst/>
@@ -6246,7 +6303,7 @@
       </p:pic>
       <p:pic>
         <p:nvPicPr>
-          <p:cNvPr id="7" name="Рисунок 6"/>
+          <p:cNvPr id="9" name="Рисунок 8"/>
           <p:cNvPicPr>
             <a:picLocks noChangeAspect="1"/>
           </p:cNvPicPr>
@@ -6260,8 +6317,32 @@
         </p:blipFill>
         <p:spPr>
           <a:xfrm>
-            <a:off x="8239896" y="3328087"/>
-            <a:ext cx="1873613" cy="3181736"/>
+            <a:off x="7530806" y="2599629"/>
+            <a:ext cx="1974511" cy="3499681"/>
+          </a:xfrm>
+          <a:prstGeom prst="rect">
+            <a:avLst/>
+          </a:prstGeom>
+        </p:spPr>
+      </p:pic>
+      <p:pic>
+        <p:nvPicPr>
+          <p:cNvPr id="10" name="Рисунок 9"/>
+          <p:cNvPicPr>
+            <a:picLocks noChangeAspect="1"/>
+          </p:cNvPicPr>
+          <p:nvPr/>
+        </p:nvPicPr>
+        <p:blipFill>
+          <a:blip r:embed="rId5"/>
+          <a:stretch>
+            <a:fillRect/>
+          </a:stretch>
+        </p:blipFill>
+        <p:spPr>
+          <a:xfrm>
+            <a:off x="6986183" y="3672654"/>
+            <a:ext cx="1753792" cy="2862807"/>
           </a:xfrm>
           <a:prstGeom prst="rect">
             <a:avLst/>
@@ -6444,7 +6525,9 @@
         </p:nvSpPr>
         <p:spPr/>
         <p:txBody>
-          <a:bodyPr/>
+          <a:bodyPr>
+            <a:normAutofit/>
+          </a:bodyPr>
           <a:lstStyle/>
           <a:p>
             <a:r>
@@ -6486,24 +6569,28 @@
           <a:p>
             <a:r>
               <a:rPr lang="en-US" dirty="0" err="1"/>
+              <a:t>PhP</a:t>
+            </a:r>
+            <a:endParaRPr lang="en-US" dirty="0"/>
+          </a:p>
+          <a:p>
+            <a:r>
+              <a:rPr lang="en-US" dirty="0"/>
+              <a:t>MySQL </a:t>
+            </a:r>
+            <a:r>
+              <a:rPr lang="uk-UA" dirty="0"/>
+              <a:t>СУБД</a:t>
+            </a:r>
+          </a:p>
+          <a:p>
+            <a:r>
+              <a:rPr lang="en-US" dirty="0" err="1"/>
               <a:t>Symfony</a:t>
             </a:r>
             <a:r>
               <a:rPr lang="en-US" dirty="0"/>
               <a:t> 3.2</a:t>
-            </a:r>
-          </a:p>
-          <a:p>
-            <a:r>
-              <a:rPr lang="en-US" dirty="0" err="1"/>
-              <a:t>Php</a:t>
-            </a:r>
-            <a:endParaRPr lang="en-US" dirty="0"/>
-          </a:p>
-          <a:p>
-            <a:r>
-              <a:rPr lang="en-US" dirty="0"/>
-              <a:t>MySQL</a:t>
             </a:r>
           </a:p>
           <a:p>
@@ -6557,12 +6644,8 @@
           <a:lstStyle/>
           <a:p>
             <a:r>
-              <a:rPr lang="uk-UA" dirty="0" err="1"/>
-              <a:t>Даіграми</a:t>
-            </a:r>
-            <a:r>
               <a:rPr lang="uk-UA" dirty="0"/>
-              <a:t> прецедентів</a:t>
+              <a:t>Діаграми прецедентів</a:t>
             </a:r>
           </a:p>
         </p:txBody>
@@ -6852,34 +6935,12 @@
           <a:chExt cx="0" cy="0"/>
         </a:xfrm>
       </p:grpSpPr>
-      <p:sp>
-        <p:nvSpPr>
-          <p:cNvPr id="2" name="Заголовок 1"/>
-          <p:cNvSpPr>
-            <a:spLocks noGrp="1"/>
-          </p:cNvSpPr>
-          <p:nvPr>
-            <p:ph type="title"/>
-          </p:nvPr>
-        </p:nvSpPr>
-        <p:spPr/>
-        <p:txBody>
-          <a:bodyPr>
-            <a:normAutofit/>
-          </a:bodyPr>
-          <a:lstStyle/>
-          <a:p>
-            <a:r>
-              <a:rPr lang="uk-UA" dirty="0"/>
-              <a:t>Головний екран мобільного додатку та веб-системи</a:t>
-            </a:r>
-          </a:p>
-        </p:txBody>
-      </p:sp>
       <p:pic>
         <p:nvPicPr>
-          <p:cNvPr id="4" name="Рисунок 3"/>
-          <p:cNvPicPr/>
+          <p:cNvPr id="15" name="Рисунок 14"/>
+          <p:cNvPicPr>
+            <a:picLocks noChangeAspect="1"/>
+          </p:cNvPicPr>
           <p:nvPr/>
         </p:nvPicPr>
         <p:blipFill>
@@ -6890,46 +6951,17 @@
         </p:blipFill>
         <p:spPr>
           <a:xfrm>
-            <a:off x="876926" y="2290505"/>
-            <a:ext cx="2502115" cy="3830895"/>
+            <a:off x="5857232" y="1548713"/>
+            <a:ext cx="4852213" cy="3141834"/>
           </a:xfrm>
           <a:prstGeom prst="rect">
             <a:avLst/>
           </a:prstGeom>
-          <a:solidFill>
-            <a:srgbClr val="FFFFFF">
-              <a:shade val="85000"/>
-            </a:srgbClr>
-          </a:solidFill>
-          <a:ln w="190500" cap="rnd">
-            <a:solidFill>
-              <a:srgbClr val="FFFFFF"/>
-            </a:solidFill>
-          </a:ln>
-          <a:effectLst>
-            <a:outerShdw blurRad="50000" algn="tl" rotWithShape="0">
-              <a:srgbClr val="000000">
-                <a:alpha val="41000"/>
-              </a:srgbClr>
-            </a:outerShdw>
-          </a:effectLst>
-          <a:scene3d>
-            <a:camera prst="orthographicFront"/>
-            <a:lightRig rig="twoPt" dir="t">
-              <a:rot lat="0" lon="0" rev="7800000"/>
-            </a:lightRig>
-          </a:scene3d>
-          <a:sp3d contourW="6350">
-            <a:bevelT w="50800" h="16510"/>
-            <a:contourClr>
-              <a:srgbClr val="C0C0C0"/>
-            </a:contourClr>
-          </a:sp3d>
         </p:spPr>
       </p:pic>
       <p:pic>
         <p:nvPicPr>
-          <p:cNvPr id="6" name="Рисунок 5"/>
+          <p:cNvPr id="10" name="Рисунок 9"/>
           <p:cNvPicPr>
             <a:picLocks noChangeAspect="1"/>
           </p:cNvPicPr>
@@ -6943,42 +6975,180 @@
         </p:blipFill>
         <p:spPr>
           <a:xfrm>
-            <a:off x="4221163" y="1804730"/>
-            <a:ext cx="5481514" cy="3491170"/>
+            <a:off x="2666529" y="2025099"/>
+            <a:ext cx="2955634" cy="1662544"/>
           </a:xfrm>
           <a:prstGeom prst="rect">
             <a:avLst/>
           </a:prstGeom>
-          <a:solidFill>
-            <a:srgbClr val="FFFFFF">
-              <a:shade val="85000"/>
-            </a:srgbClr>
-          </a:solidFill>
-          <a:ln w="88900" cap="sq">
-            <a:solidFill>
-              <a:srgbClr val="FFFFFF"/>
-            </a:solidFill>
-            <a:miter lim="800000"/>
-          </a:ln>
-          <a:effectLst>
-            <a:outerShdw blurRad="55000" dist="18000" dir="5400000" algn="tl" rotWithShape="0">
-              <a:srgbClr val="000000">
-                <a:alpha val="40000"/>
-              </a:srgbClr>
-            </a:outerShdw>
-          </a:effectLst>
-          <a:scene3d>
-            <a:camera prst="orthographicFront"/>
-            <a:lightRig rig="twoPt" dir="t">
-              <a:rot lat="0" lon="0" rev="7200000"/>
-            </a:lightRig>
-          </a:scene3d>
-          <a:sp3d>
-            <a:bevelT w="25400" h="19050"/>
-            <a:contourClr>
-              <a:srgbClr val="FFFFFF"/>
-            </a:contourClr>
-          </a:sp3d>
+        </p:spPr>
+      </p:pic>
+      <p:sp>
+        <p:nvSpPr>
+          <p:cNvPr id="2" name="Заголовок 1"/>
+          <p:cNvSpPr>
+            <a:spLocks noGrp="1"/>
+          </p:cNvSpPr>
+          <p:nvPr>
+            <p:ph type="title"/>
+          </p:nvPr>
+        </p:nvSpPr>
+        <p:spPr/>
+        <p:txBody>
+          <a:bodyPr>
+            <a:normAutofit/>
+          </a:bodyPr>
+          <a:lstStyle/>
+          <a:p>
+            <a:r>
+              <a:rPr lang="uk-UA" dirty="0"/>
+              <a:t>Екрани мобільного додатку та веб-системи</a:t>
+            </a:r>
+          </a:p>
+        </p:txBody>
+      </p:sp>
+      <p:pic>
+        <p:nvPicPr>
+          <p:cNvPr id="5" name="Рисунок 4"/>
+          <p:cNvPicPr>
+            <a:picLocks noChangeAspect="1"/>
+          </p:cNvPicPr>
+          <p:nvPr/>
+        </p:nvPicPr>
+        <p:blipFill>
+          <a:blip r:embed="rId4"/>
+          <a:stretch>
+            <a:fillRect/>
+          </a:stretch>
+        </p:blipFill>
+        <p:spPr>
+          <a:xfrm>
+            <a:off x="573433" y="2685535"/>
+            <a:ext cx="1738353" cy="3090405"/>
+          </a:xfrm>
+          <a:prstGeom prst="rect">
+            <a:avLst/>
+          </a:prstGeom>
+        </p:spPr>
+      </p:pic>
+      <p:pic>
+        <p:nvPicPr>
+          <p:cNvPr id="8" name="Рисунок 7"/>
+          <p:cNvPicPr>
+            <a:picLocks noChangeAspect="1"/>
+          </p:cNvPicPr>
+          <p:nvPr/>
+        </p:nvPicPr>
+        <p:blipFill>
+          <a:blip r:embed="rId5"/>
+          <a:stretch>
+            <a:fillRect/>
+          </a:stretch>
+        </p:blipFill>
+        <p:spPr>
+          <a:xfrm>
+            <a:off x="1480748" y="3129407"/>
+            <a:ext cx="1756283" cy="3122280"/>
+          </a:xfrm>
+          <a:prstGeom prst="rect">
+            <a:avLst/>
+          </a:prstGeom>
+        </p:spPr>
+      </p:pic>
+      <p:pic>
+        <p:nvPicPr>
+          <p:cNvPr id="12" name="Рисунок 11"/>
+          <p:cNvPicPr>
+            <a:picLocks noChangeAspect="1"/>
+          </p:cNvPicPr>
+          <p:nvPr/>
+        </p:nvPicPr>
+        <p:blipFill>
+          <a:blip r:embed="rId6"/>
+          <a:stretch>
+            <a:fillRect/>
+          </a:stretch>
+        </p:blipFill>
+        <p:spPr>
+          <a:xfrm>
+            <a:off x="3345762" y="3782343"/>
+            <a:ext cx="1533636" cy="2726464"/>
+          </a:xfrm>
+          <a:prstGeom prst="rect">
+            <a:avLst/>
+          </a:prstGeom>
+        </p:spPr>
+      </p:pic>
+      <p:pic>
+        <p:nvPicPr>
+          <p:cNvPr id="16" name="Рисунок 15"/>
+          <p:cNvPicPr>
+            <a:picLocks noChangeAspect="1"/>
+          </p:cNvPicPr>
+          <p:nvPr/>
+        </p:nvPicPr>
+        <p:blipFill>
+          <a:blip r:embed="rId7"/>
+          <a:stretch>
+            <a:fillRect/>
+          </a:stretch>
+        </p:blipFill>
+        <p:spPr>
+          <a:xfrm>
+            <a:off x="7052323" y="3119630"/>
+            <a:ext cx="4545717" cy="2933516"/>
+          </a:xfrm>
+          <a:prstGeom prst="rect">
+            <a:avLst/>
+          </a:prstGeom>
+        </p:spPr>
+      </p:pic>
+      <p:pic>
+        <p:nvPicPr>
+          <p:cNvPr id="14" name="Рисунок 13"/>
+          <p:cNvPicPr>
+            <a:picLocks noChangeAspect="1"/>
+          </p:cNvPicPr>
+          <p:nvPr/>
+        </p:nvPicPr>
+        <p:blipFill>
+          <a:blip r:embed="rId8"/>
+          <a:stretch>
+            <a:fillRect/>
+          </a:stretch>
+        </p:blipFill>
+        <p:spPr>
+          <a:xfrm>
+            <a:off x="4968637" y="3492961"/>
+            <a:ext cx="1777189" cy="3159447"/>
+          </a:xfrm>
+          <a:prstGeom prst="rect">
+            <a:avLst/>
+          </a:prstGeom>
+        </p:spPr>
+      </p:pic>
+      <p:pic>
+        <p:nvPicPr>
+          <p:cNvPr id="17" name="Рисунок 16"/>
+          <p:cNvPicPr>
+            <a:picLocks noChangeAspect="1"/>
+          </p:cNvPicPr>
+          <p:nvPr/>
+        </p:nvPicPr>
+        <p:blipFill>
+          <a:blip r:embed="rId9"/>
+          <a:stretch>
+            <a:fillRect/>
+          </a:stretch>
+        </p:blipFill>
+        <p:spPr>
+          <a:xfrm>
+            <a:off x="6456125" y="4611250"/>
+            <a:ext cx="3291346" cy="2120455"/>
+          </a:xfrm>
+          <a:prstGeom prst="rect">
+            <a:avLst/>
+          </a:prstGeom>
         </p:spPr>
       </p:pic>
     </p:spTree>
@@ -6997,7 +7167,7 @@
 <file path=ppt/theme/theme1.xml><?xml version="1.0" encoding="utf-8"?>
 <a:theme xmlns:a="http://schemas.openxmlformats.org/drawingml/2006/main" name="Грань">
   <a:themeElements>
-    <a:clrScheme name="Facet">
+    <a:clrScheme name="Грань">
       <a:dk1>
         <a:sysClr val="windowText" lastClr="000000"/>
       </a:dk1>
@@ -7011,31 +7181,31 @@
         <a:srgbClr val="EBEBEB"/>
       </a:lt2>
       <a:accent1>
-        <a:srgbClr val="5FCBEF"/>
+        <a:srgbClr val="90C226"/>
       </a:accent1>
       <a:accent2>
-        <a:srgbClr val="2E83C3"/>
+        <a:srgbClr val="54A021"/>
       </a:accent2>
       <a:accent3>
-        <a:srgbClr val="42D0A2"/>
+        <a:srgbClr val="E6B91E"/>
       </a:accent3>
       <a:accent4>
-        <a:srgbClr val="2E946B"/>
+        <a:srgbClr val="E76618"/>
       </a:accent4>
       <a:accent5>
-        <a:srgbClr val="42B051"/>
+        <a:srgbClr val="C42F1A"/>
       </a:accent5>
       <a:accent6>
-        <a:srgbClr val="96D141"/>
+        <a:srgbClr val="918655"/>
       </a:accent6>
       <a:hlink>
-        <a:srgbClr val="3FCDE7"/>
+        <a:srgbClr val="99CA3C"/>
       </a:hlink>
       <a:folHlink>
-        <a:srgbClr val="A9D3E1"/>
+        <a:srgbClr val="B9D181"/>
       </a:folHlink>
     </a:clrScheme>
-    <a:fontScheme name="Facet">
+    <a:fontScheme name="Грань">
       <a:majorFont>
         <a:latin typeface="Trebuchet MS" panose="020B0603020202020204"/>
         <a:ea typeface=""/>
@@ -7107,7 +7277,7 @@
         <a:font script="Geor" typeface="Sylfaen"/>
       </a:minorFont>
     </a:fontScheme>
-    <a:fmtScheme name="Facet">
+    <a:fmtScheme name="Грань">
       <a:fillStyleLst>
         <a:solidFill>
           <a:schemeClr val="phClr"/>
@@ -7245,7 +7415,7 @@
   <a:extraClrSchemeLst/>
   <a:extLst>
     <a:ext uri="{05A4C25C-085E-4340-85A3-A5531E510DB2}">
-      <thm15:themeFamily xmlns:thm15="http://schemas.microsoft.com/office/thememl/2012/main" name="Facet" id="{C0C680CD-088A-49FC-A102-D699147F32B2}" vid="{0B5AB586-D108-4FC1-8368-649FE654B894}"/>
+      <thm15:themeFamily xmlns:thm15="http://schemas.microsoft.com/office/thememl/2012/main" name="Facet" id="{C0C680CD-088A-49FC-A102-D699147F32B2}" vid="{8C59B386-999D-4CB6-B907-9F3997C027CC}"/>
     </a:ext>
   </a:extLst>
 </a:theme>

--- a/Doc/Мобільний додаток для тестування знань студентів з дисципліни.pptx
+++ b/Doc/Мобільний додаток для тестування знань студентів з дисципліни.pptx
@@ -4,6 +4,9 @@
   <p:sldMasterIdLst>
     <p:sldMasterId id="2147483669" r:id="rId1"/>
   </p:sldMasterIdLst>
+  <p:notesMasterIdLst>
+    <p:notesMasterId r:id="rId11"/>
+  </p:notesMasterIdLst>
   <p:sldIdLst>
     <p:sldId id="256" r:id="rId2"/>
     <p:sldId id="257" r:id="rId3"/>
@@ -16,7 +19,7 @@
     <p:sldId id="264" r:id="rId10"/>
   </p:sldIdLst>
   <p:sldSz cx="12192000" cy="6858000"/>
-  <p:notesSz cx="6858000" cy="9144000"/>
+  <p:notesSz cx="6881813" cy="9661525"/>
   <p:defaultTextStyle>
     <a:defPPr>
       <a:defRPr lang="en-US"/>
@@ -122,6 +125,439 @@
 
 <file path=ppt/revisionInfo.xml><?xml version="1.0" encoding="utf-8"?>
 <p1510:revInfo xmlns:a="http://schemas.openxmlformats.org/drawingml/2006/main" xmlns:r="http://schemas.openxmlformats.org/officeDocument/2006/relationships" xmlns:p1510="http://schemas.microsoft.com/office/powerpoint/2015/10/main"/>
+</file>
+
+<file path=ppt/notesMasters/notesMaster1.xml><?xml version="1.0" encoding="utf-8"?>
+<p:notesMaster xmlns:a="http://schemas.openxmlformats.org/drawingml/2006/main" xmlns:r="http://schemas.openxmlformats.org/officeDocument/2006/relationships" xmlns:p="http://schemas.openxmlformats.org/presentationml/2006/main">
+  <p:cSld>
+    <p:bg>
+      <p:bgRef idx="1001">
+        <a:schemeClr val="bg1"/>
+      </p:bgRef>
+    </p:bg>
+    <p:spTree>
+      <p:nvGrpSpPr>
+        <p:cNvPr id="1" name=""/>
+        <p:cNvGrpSpPr/>
+        <p:nvPr/>
+      </p:nvGrpSpPr>
+      <p:grpSpPr>
+        <a:xfrm>
+          <a:off x="0" y="0"/>
+          <a:ext cx="0" cy="0"/>
+          <a:chOff x="0" y="0"/>
+          <a:chExt cx="0" cy="0"/>
+        </a:xfrm>
+      </p:grpSpPr>
+      <p:sp>
+        <p:nvSpPr>
+          <p:cNvPr id="2" name="Місце для верхнього колонтитула 1"/>
+          <p:cNvSpPr>
+            <a:spLocks noGrp="1"/>
+          </p:cNvSpPr>
+          <p:nvPr>
+            <p:ph type="hdr" sz="quarter"/>
+          </p:nvPr>
+        </p:nvSpPr>
+        <p:spPr>
+          <a:xfrm>
+            <a:off x="0" y="0"/>
+            <a:ext cx="2982119" cy="484754"/>
+          </a:xfrm>
+          <a:prstGeom prst="rect">
+            <a:avLst/>
+          </a:prstGeom>
+        </p:spPr>
+        <p:txBody>
+          <a:bodyPr vert="horz" lIns="94531" tIns="47265" rIns="94531" bIns="47265" rtlCol="0"/>
+          <a:lstStyle>
+            <a:lvl1pPr algn="l">
+              <a:defRPr sz="1200"/>
+            </a:lvl1pPr>
+          </a:lstStyle>
+          <a:p>
+            <a:endParaRPr lang="uk-UA"/>
+          </a:p>
+        </p:txBody>
+      </p:sp>
+      <p:sp>
+        <p:nvSpPr>
+          <p:cNvPr id="3" name="Місце для дати 2"/>
+          <p:cNvSpPr>
+            <a:spLocks noGrp="1"/>
+          </p:cNvSpPr>
+          <p:nvPr>
+            <p:ph type="dt" idx="1"/>
+          </p:nvPr>
+        </p:nvSpPr>
+        <p:spPr>
+          <a:xfrm>
+            <a:off x="3898102" y="0"/>
+            <a:ext cx="2982119" cy="484754"/>
+          </a:xfrm>
+          <a:prstGeom prst="rect">
+            <a:avLst/>
+          </a:prstGeom>
+        </p:spPr>
+        <p:txBody>
+          <a:bodyPr vert="horz" lIns="94531" tIns="47265" rIns="94531" bIns="47265" rtlCol="0"/>
+          <a:lstStyle>
+            <a:lvl1pPr algn="r">
+              <a:defRPr sz="1200"/>
+            </a:lvl1pPr>
+          </a:lstStyle>
+          <a:p>
+            <a:fld id="{63D78AD2-2135-4E69-A148-04EE61D08198}" type="datetimeFigureOut">
+              <a:rPr lang="uk-UA" smtClean="0"/>
+              <a:t>06.06.2017</a:t>
+            </a:fld>
+            <a:endParaRPr lang="uk-UA"/>
+          </a:p>
+        </p:txBody>
+      </p:sp>
+      <p:sp>
+        <p:nvSpPr>
+          <p:cNvPr id="4" name="Місце для зображення 3"/>
+          <p:cNvSpPr>
+            <a:spLocks noGrp="1" noRot="1" noChangeAspect="1"/>
+          </p:cNvSpPr>
+          <p:nvPr>
+            <p:ph type="sldImg" idx="2"/>
+          </p:nvPr>
+        </p:nvSpPr>
+        <p:spPr>
+          <a:xfrm>
+            <a:off x="544513" y="1208088"/>
+            <a:ext cx="5794375" cy="3260725"/>
+          </a:xfrm>
+          <a:prstGeom prst="rect">
+            <a:avLst/>
+          </a:prstGeom>
+          <a:noFill/>
+          <a:ln w="12700">
+            <a:solidFill>
+              <a:prstClr val="black"/>
+            </a:solidFill>
+          </a:ln>
+        </p:spPr>
+        <p:txBody>
+          <a:bodyPr vert="horz" lIns="94531" tIns="47265" rIns="94531" bIns="47265" rtlCol="0" anchor="ctr"/>
+          <a:lstStyle/>
+          <a:p>
+            <a:endParaRPr lang="uk-UA"/>
+          </a:p>
+        </p:txBody>
+      </p:sp>
+      <p:sp>
+        <p:nvSpPr>
+          <p:cNvPr id="5" name="Місце для нотаток 4"/>
+          <p:cNvSpPr>
+            <a:spLocks noGrp="1"/>
+          </p:cNvSpPr>
+          <p:nvPr>
+            <p:ph type="body" sz="quarter" idx="3"/>
+          </p:nvPr>
+        </p:nvSpPr>
+        <p:spPr>
+          <a:xfrm>
+            <a:off x="688182" y="4649609"/>
+            <a:ext cx="5505450" cy="3804225"/>
+          </a:xfrm>
+          <a:prstGeom prst="rect">
+            <a:avLst/>
+          </a:prstGeom>
+        </p:spPr>
+        <p:txBody>
+          <a:bodyPr vert="horz" lIns="94531" tIns="47265" rIns="94531" bIns="47265" rtlCol="0"/>
+          <a:lstStyle/>
+          <a:p>
+            <a:pPr lvl="0"/>
+            <a:r>
+              <a:rPr lang="uk-UA"/>
+              <a:t>Редагувати стиль зразка тексту</a:t>
+            </a:r>
+          </a:p>
+          <a:p>
+            <a:pPr lvl="1"/>
+            <a:r>
+              <a:rPr lang="uk-UA"/>
+              <a:t>Другий рівень</a:t>
+            </a:r>
+          </a:p>
+          <a:p>
+            <a:pPr lvl="2"/>
+            <a:r>
+              <a:rPr lang="uk-UA"/>
+              <a:t>Третій рівень</a:t>
+            </a:r>
+          </a:p>
+          <a:p>
+            <a:pPr lvl="3"/>
+            <a:r>
+              <a:rPr lang="uk-UA"/>
+              <a:t>Четвертий рівень</a:t>
+            </a:r>
+          </a:p>
+          <a:p>
+            <a:pPr lvl="4"/>
+            <a:r>
+              <a:rPr lang="uk-UA"/>
+              <a:t>П’ятий рівень</a:t>
+            </a:r>
+          </a:p>
+        </p:txBody>
+      </p:sp>
+      <p:sp>
+        <p:nvSpPr>
+          <p:cNvPr id="6" name="Місце для нижнього колонтитула 5"/>
+          <p:cNvSpPr>
+            <a:spLocks noGrp="1"/>
+          </p:cNvSpPr>
+          <p:nvPr>
+            <p:ph type="ftr" sz="quarter" idx="4"/>
+          </p:nvPr>
+        </p:nvSpPr>
+        <p:spPr>
+          <a:xfrm>
+            <a:off x="0" y="9176772"/>
+            <a:ext cx="2982119" cy="484753"/>
+          </a:xfrm>
+          <a:prstGeom prst="rect">
+            <a:avLst/>
+          </a:prstGeom>
+        </p:spPr>
+        <p:txBody>
+          <a:bodyPr vert="horz" lIns="94531" tIns="47265" rIns="94531" bIns="47265" rtlCol="0" anchor="b"/>
+          <a:lstStyle>
+            <a:lvl1pPr algn="l">
+              <a:defRPr sz="1200"/>
+            </a:lvl1pPr>
+          </a:lstStyle>
+          <a:p>
+            <a:endParaRPr lang="uk-UA"/>
+          </a:p>
+        </p:txBody>
+      </p:sp>
+      <p:sp>
+        <p:nvSpPr>
+          <p:cNvPr id="7" name="Місце для номера слайда 6"/>
+          <p:cNvSpPr>
+            <a:spLocks noGrp="1"/>
+          </p:cNvSpPr>
+          <p:nvPr>
+            <p:ph type="sldNum" sz="quarter" idx="5"/>
+          </p:nvPr>
+        </p:nvSpPr>
+        <p:spPr>
+          <a:xfrm>
+            <a:off x="3898102" y="9176772"/>
+            <a:ext cx="2982119" cy="484753"/>
+          </a:xfrm>
+          <a:prstGeom prst="rect">
+            <a:avLst/>
+          </a:prstGeom>
+        </p:spPr>
+        <p:txBody>
+          <a:bodyPr vert="horz" lIns="94531" tIns="47265" rIns="94531" bIns="47265" rtlCol="0" anchor="b"/>
+          <a:lstStyle>
+            <a:lvl1pPr algn="r">
+              <a:defRPr sz="1200"/>
+            </a:lvl1pPr>
+          </a:lstStyle>
+          <a:p>
+            <a:fld id="{E41734FE-8E2E-4E7D-B56D-2BDAFBE139D0}" type="slidenum">
+              <a:rPr lang="uk-UA" smtClean="0"/>
+              <a:t>‹№›</a:t>
+            </a:fld>
+            <a:endParaRPr lang="uk-UA"/>
+          </a:p>
+        </p:txBody>
+      </p:sp>
+    </p:spTree>
+    <p:extLst>
+      <p:ext uri="{BB962C8B-B14F-4D97-AF65-F5344CB8AC3E}">
+        <p14:creationId xmlns:p14="http://schemas.microsoft.com/office/powerpoint/2010/main" val="1425534641"/>
+      </p:ext>
+    </p:extLst>
+  </p:cSld>
+  <p:clrMap bg1="lt1" tx1="dk1" bg2="lt2" tx2="dk2" accent1="accent1" accent2="accent2" accent3="accent3" accent4="accent4" accent5="accent5" accent6="accent6" hlink="hlink" folHlink="folHlink"/>
+  <p:notesStyle>
+    <a:lvl1pPr marL="0" algn="l" defTabSz="914400" rtl="0" eaLnBrk="1" latinLnBrk="0" hangingPunct="1">
+      <a:defRPr sz="1200" kern="1200">
+        <a:solidFill>
+          <a:schemeClr val="tx1"/>
+        </a:solidFill>
+        <a:latin typeface="+mn-lt"/>
+        <a:ea typeface="+mn-ea"/>
+        <a:cs typeface="+mn-cs"/>
+      </a:defRPr>
+    </a:lvl1pPr>
+    <a:lvl2pPr marL="457200" algn="l" defTabSz="914400" rtl="0" eaLnBrk="1" latinLnBrk="0" hangingPunct="1">
+      <a:defRPr sz="1200" kern="1200">
+        <a:solidFill>
+          <a:schemeClr val="tx1"/>
+        </a:solidFill>
+        <a:latin typeface="+mn-lt"/>
+        <a:ea typeface="+mn-ea"/>
+        <a:cs typeface="+mn-cs"/>
+      </a:defRPr>
+    </a:lvl2pPr>
+    <a:lvl3pPr marL="914400" algn="l" defTabSz="914400" rtl="0" eaLnBrk="1" latinLnBrk="0" hangingPunct="1">
+      <a:defRPr sz="1200" kern="1200">
+        <a:solidFill>
+          <a:schemeClr val="tx1"/>
+        </a:solidFill>
+        <a:latin typeface="+mn-lt"/>
+        <a:ea typeface="+mn-ea"/>
+        <a:cs typeface="+mn-cs"/>
+      </a:defRPr>
+    </a:lvl3pPr>
+    <a:lvl4pPr marL="1371600" algn="l" defTabSz="914400" rtl="0" eaLnBrk="1" latinLnBrk="0" hangingPunct="1">
+      <a:defRPr sz="1200" kern="1200">
+        <a:solidFill>
+          <a:schemeClr val="tx1"/>
+        </a:solidFill>
+        <a:latin typeface="+mn-lt"/>
+        <a:ea typeface="+mn-ea"/>
+        <a:cs typeface="+mn-cs"/>
+      </a:defRPr>
+    </a:lvl4pPr>
+    <a:lvl5pPr marL="1828800" algn="l" defTabSz="914400" rtl="0" eaLnBrk="1" latinLnBrk="0" hangingPunct="1">
+      <a:defRPr sz="1200" kern="1200">
+        <a:solidFill>
+          <a:schemeClr val="tx1"/>
+        </a:solidFill>
+        <a:latin typeface="+mn-lt"/>
+        <a:ea typeface="+mn-ea"/>
+        <a:cs typeface="+mn-cs"/>
+      </a:defRPr>
+    </a:lvl5pPr>
+    <a:lvl6pPr marL="2286000" algn="l" defTabSz="914400" rtl="0" eaLnBrk="1" latinLnBrk="0" hangingPunct="1">
+      <a:defRPr sz="1200" kern="1200">
+        <a:solidFill>
+          <a:schemeClr val="tx1"/>
+        </a:solidFill>
+        <a:latin typeface="+mn-lt"/>
+        <a:ea typeface="+mn-ea"/>
+        <a:cs typeface="+mn-cs"/>
+      </a:defRPr>
+    </a:lvl6pPr>
+    <a:lvl7pPr marL="2743200" algn="l" defTabSz="914400" rtl="0" eaLnBrk="1" latinLnBrk="0" hangingPunct="1">
+      <a:defRPr sz="1200" kern="1200">
+        <a:solidFill>
+          <a:schemeClr val="tx1"/>
+        </a:solidFill>
+        <a:latin typeface="+mn-lt"/>
+        <a:ea typeface="+mn-ea"/>
+        <a:cs typeface="+mn-cs"/>
+      </a:defRPr>
+    </a:lvl7pPr>
+    <a:lvl8pPr marL="3200400" algn="l" defTabSz="914400" rtl="0" eaLnBrk="1" latinLnBrk="0" hangingPunct="1">
+      <a:defRPr sz="1200" kern="1200">
+        <a:solidFill>
+          <a:schemeClr val="tx1"/>
+        </a:solidFill>
+        <a:latin typeface="+mn-lt"/>
+        <a:ea typeface="+mn-ea"/>
+        <a:cs typeface="+mn-cs"/>
+      </a:defRPr>
+    </a:lvl8pPr>
+    <a:lvl9pPr marL="3657600" algn="l" defTabSz="914400" rtl="0" eaLnBrk="1" latinLnBrk="0" hangingPunct="1">
+      <a:defRPr sz="1200" kern="1200">
+        <a:solidFill>
+          <a:schemeClr val="tx1"/>
+        </a:solidFill>
+        <a:latin typeface="+mn-lt"/>
+        <a:ea typeface="+mn-ea"/>
+        <a:cs typeface="+mn-cs"/>
+      </a:defRPr>
+    </a:lvl9pPr>
+  </p:notesStyle>
+</p:notesMaster>
+</file>
+
+<file path=ppt/notesSlides/notesSlide1.xml><?xml version="1.0" encoding="utf-8"?>
+<p:notes xmlns:a="http://schemas.openxmlformats.org/drawingml/2006/main" xmlns:r="http://schemas.openxmlformats.org/officeDocument/2006/relationships" xmlns:p="http://schemas.openxmlformats.org/presentationml/2006/main">
+  <p:cSld>
+    <p:spTree>
+      <p:nvGrpSpPr>
+        <p:cNvPr id="1" name=""/>
+        <p:cNvGrpSpPr/>
+        <p:nvPr/>
+      </p:nvGrpSpPr>
+      <p:grpSpPr>
+        <a:xfrm>
+          <a:off x="0" y="0"/>
+          <a:ext cx="0" cy="0"/>
+          <a:chOff x="0" y="0"/>
+          <a:chExt cx="0" cy="0"/>
+        </a:xfrm>
+      </p:grpSpPr>
+      <p:sp>
+        <p:nvSpPr>
+          <p:cNvPr id="2" name="Місце для зображення 1"/>
+          <p:cNvSpPr>
+            <a:spLocks noGrp="1" noRot="1" noChangeAspect="1"/>
+          </p:cNvSpPr>
+          <p:nvPr>
+            <p:ph type="sldImg"/>
+          </p:nvPr>
+        </p:nvSpPr>
+        <p:spPr/>
+      </p:sp>
+      <p:sp>
+        <p:nvSpPr>
+          <p:cNvPr id="3" name="Місце для нотаток 2"/>
+          <p:cNvSpPr>
+            <a:spLocks noGrp="1"/>
+          </p:cNvSpPr>
+          <p:nvPr>
+            <p:ph type="body" idx="1"/>
+          </p:nvPr>
+        </p:nvSpPr>
+        <p:spPr/>
+        <p:txBody>
+          <a:bodyPr/>
+          <a:lstStyle/>
+          <a:p>
+            <a:endParaRPr lang="uk-UA"/>
+          </a:p>
+        </p:txBody>
+      </p:sp>
+      <p:sp>
+        <p:nvSpPr>
+          <p:cNvPr id="4" name="Місце для номера слайда 3"/>
+          <p:cNvSpPr>
+            <a:spLocks noGrp="1"/>
+          </p:cNvSpPr>
+          <p:nvPr>
+            <p:ph type="sldNum" sz="quarter" idx="10"/>
+          </p:nvPr>
+        </p:nvSpPr>
+        <p:spPr/>
+        <p:txBody>
+          <a:bodyPr/>
+          <a:lstStyle/>
+          <a:p>
+            <a:fld id="{E41734FE-8E2E-4E7D-B56D-2BDAFBE139D0}" type="slidenum">
+              <a:rPr lang="uk-UA" smtClean="0"/>
+              <a:t>9</a:t>
+            </a:fld>
+            <a:endParaRPr lang="uk-UA"/>
+          </a:p>
+        </p:txBody>
+      </p:sp>
+    </p:spTree>
+    <p:extLst>
+      <p:ext uri="{BB962C8B-B14F-4D97-AF65-F5344CB8AC3E}">
+        <p14:creationId xmlns:p14="http://schemas.microsoft.com/office/powerpoint/2010/main" val="2786150922"/>
+      </p:ext>
+    </p:extLst>
+  </p:cSld>
+  <p:clrMapOvr>
+    <a:masterClrMapping/>
+  </p:clrMapOvr>
+</p:notes>
 </file>
 
 <file path=ppt/slideLayouts/slideLayout1.xml><?xml version="1.0" encoding="utf-8"?>
@@ -849,7 +1285,7 @@
             <a:fld id="{B61BEF0D-F0BB-DE4B-95CE-6DB70DBA9567}" type="datetimeFigureOut">
               <a:rPr lang="en-US" smtClean="0"/>
               <a:pPr/>
-              <a:t>6/5/2017</a:t>
+              <a:t>6/6/2017</a:t>
             </a:fld>
             <a:endParaRPr lang="en-US" dirty="0"/>
           </a:p>
@@ -1102,7 +1538,7 @@
             <a:fld id="{B61BEF0D-F0BB-DE4B-95CE-6DB70DBA9567}" type="datetimeFigureOut">
               <a:rPr lang="en-US" smtClean="0"/>
               <a:pPr/>
-              <a:t>6/5/2017</a:t>
+              <a:t>6/6/2017</a:t>
             </a:fld>
             <a:endParaRPr lang="en-US" dirty="0"/>
           </a:p>
@@ -1418,7 +1854,7 @@
             <a:fld id="{B61BEF0D-F0BB-DE4B-95CE-6DB70DBA9567}" type="datetimeFigureOut">
               <a:rPr lang="en-US" smtClean="0"/>
               <a:pPr/>
-              <a:t>6/5/2017</a:t>
+              <a:t>6/6/2017</a:t>
             </a:fld>
             <a:endParaRPr lang="en-US" dirty="0"/>
           </a:p>
@@ -1747,7 +2183,7 @@
             <a:fld id="{B61BEF0D-F0BB-DE4B-95CE-6DB70DBA9567}" type="datetimeFigureOut">
               <a:rPr lang="en-US" smtClean="0"/>
               <a:pPr/>
-              <a:t>6/5/2017</a:t>
+              <a:t>6/6/2017</a:t>
             </a:fld>
             <a:endParaRPr lang="en-US" dirty="0"/>
           </a:p>
@@ -2063,7 +2499,7 @@
             <a:fld id="{B61BEF0D-F0BB-DE4B-95CE-6DB70DBA9567}" type="datetimeFigureOut">
               <a:rPr lang="en-US" smtClean="0"/>
               <a:pPr/>
-              <a:t>6/5/2017</a:t>
+              <a:t>6/6/2017</a:t>
             </a:fld>
             <a:endParaRPr lang="en-US" dirty="0"/>
           </a:p>
@@ -2452,7 +2888,7 @@
             <a:fld id="{B61BEF0D-F0BB-DE4B-95CE-6DB70DBA9567}" type="datetimeFigureOut">
               <a:rPr lang="en-US" smtClean="0"/>
               <a:pPr/>
-              <a:t>6/5/2017</a:t>
+              <a:t>6/6/2017</a:t>
             </a:fld>
             <a:endParaRPr lang="en-US" dirty="0"/>
           </a:p>
@@ -2623,7 +3059,7 @@
           <a:p>
             <a:fld id="{55C6B4A9-1611-4792-9094-5F34BCA07E0B}" type="datetimeFigureOut">
               <a:rPr lang="en-US" smtClean="0"/>
-              <a:t>6/5/2017</a:t>
+              <a:t>6/6/2017</a:t>
             </a:fld>
             <a:endParaRPr lang="en-US" dirty="0"/>
           </a:p>
@@ -2804,7 +3240,7 @@
             <a:fld id="{B61BEF0D-F0BB-DE4B-95CE-6DB70DBA9567}" type="datetimeFigureOut">
               <a:rPr lang="en-US" smtClean="0"/>
               <a:pPr/>
-              <a:t>6/5/2017</a:t>
+              <a:t>6/6/2017</a:t>
             </a:fld>
             <a:endParaRPr lang="en-US" dirty="0"/>
           </a:p>
@@ -2981,7 +3417,7 @@
           <a:p>
             <a:fld id="{42A54C80-263E-416B-A8E0-580EDEADCBDC}" type="datetimeFigureOut">
               <a:rPr lang="en-US" smtClean="0"/>
-              <a:t>6/5/2017</a:t>
+              <a:t>6/6/2017</a:t>
             </a:fld>
             <a:endParaRPr lang="en-US" dirty="0"/>
           </a:p>
@@ -3229,7 +3665,7 @@
             <a:fld id="{B61BEF0D-F0BB-DE4B-95CE-6DB70DBA9567}" type="datetimeFigureOut">
               <a:rPr lang="en-US" smtClean="0"/>
               <a:pPr/>
-              <a:t>6/5/2017</a:t>
+              <a:t>6/6/2017</a:t>
             </a:fld>
             <a:endParaRPr lang="en-US" dirty="0"/>
           </a:p>
@@ -3462,7 +3898,7 @@
           <a:p>
             <a:fld id="{42A54C80-263E-416B-A8E0-580EDEADCBDC}" type="datetimeFigureOut">
               <a:rPr lang="en-US" smtClean="0"/>
-              <a:t>6/5/2017</a:t>
+              <a:t>6/6/2017</a:t>
             </a:fld>
             <a:endParaRPr lang="en-US" dirty="0"/>
           </a:p>
@@ -3837,7 +4273,7 @@
             <a:fld id="{B61BEF0D-F0BB-DE4B-95CE-6DB70DBA9567}" type="datetimeFigureOut">
               <a:rPr lang="en-US" smtClean="0"/>
               <a:pPr/>
-              <a:t>6/5/2017</a:t>
+              <a:t>6/6/2017</a:t>
             </a:fld>
             <a:endParaRPr lang="en-US" dirty="0"/>
           </a:p>
@@ -3962,7 +4398,7 @@
             <a:fld id="{B61BEF0D-F0BB-DE4B-95CE-6DB70DBA9567}" type="datetimeFigureOut">
               <a:rPr lang="en-US" smtClean="0"/>
               <a:pPr/>
-              <a:t>6/5/2017</a:t>
+              <a:t>6/6/2017</a:t>
             </a:fld>
             <a:endParaRPr lang="en-US" dirty="0"/>
           </a:p>
@@ -4059,7 +4495,7 @@
             <a:fld id="{B61BEF0D-F0BB-DE4B-95CE-6DB70DBA9567}" type="datetimeFigureOut">
               <a:rPr lang="en-US" smtClean="0"/>
               <a:pPr/>
-              <a:t>6/5/2017</a:t>
+              <a:t>6/6/2017</a:t>
             </a:fld>
             <a:endParaRPr lang="en-US" dirty="0"/>
           </a:p>
@@ -4315,7 +4751,7 @@
           <a:p>
             <a:fld id="{42A54C80-263E-416B-A8E0-580EDEADCBDC}" type="datetimeFigureOut">
               <a:rPr lang="en-US" smtClean="0"/>
-              <a:t>6/5/2017</a:t>
+              <a:t>6/6/2017</a:t>
             </a:fld>
             <a:endParaRPr lang="en-US" dirty="0"/>
           </a:p>
@@ -4579,7 +5015,7 @@
             <a:fld id="{B61BEF0D-F0BB-DE4B-95CE-6DB70DBA9567}" type="datetimeFigureOut">
               <a:rPr lang="en-US" smtClean="0"/>
               <a:pPr/>
-              <a:t>6/5/2017</a:t>
+              <a:t>6/6/2017</a:t>
             </a:fld>
             <a:endParaRPr lang="en-US" dirty="0"/>
           </a:p>
@@ -5326,7 +5762,7 @@
             <a:fld id="{B61BEF0D-F0BB-DE4B-95CE-6DB70DBA9567}" type="datetimeFigureOut">
               <a:rPr lang="en-US" smtClean="0"/>
               <a:pPr/>
-              <a:t>6/5/2017</a:t>
+              <a:t>6/6/2017</a:t>
             </a:fld>
             <a:endParaRPr lang="en-US" dirty="0"/>
           </a:p>
@@ -5917,15 +6353,7 @@
             <a:pPr algn="l"/>
             <a:r>
               <a:rPr lang="uk-UA" dirty="0"/>
-              <a:t>Перевірив: </a:t>
-            </a:r>
-            <a:r>
-              <a:rPr lang="uk-UA" dirty="0" err="1"/>
-              <a:t>Тушницький</a:t>
-            </a:r>
-            <a:r>
-              <a:rPr lang="uk-UA" dirty="0"/>
-              <a:t> Руслан</a:t>
+              <a:t>Перевірив: Тушницький Руслан</a:t>
             </a:r>
           </a:p>
         </p:txBody>
@@ -5973,17 +6401,32 @@
         <p:spPr>
           <a:xfrm>
             <a:off x="677334" y="609600"/>
-            <a:ext cx="8596668" cy="733168"/>
+            <a:ext cx="10097346" cy="733168"/>
           </a:xfrm>
         </p:spPr>
         <p:txBody>
-          <a:bodyPr/>
+          <a:bodyPr>
+            <a:normAutofit fontScale="90000"/>
+          </a:bodyPr>
           <a:lstStyle/>
           <a:p>
             <a:r>
               <a:rPr lang="uk-UA" dirty="0"/>
               <a:t>Актуальність теми</a:t>
             </a:r>
+            <a:r>
+              <a:rPr lang="en-US" dirty="0"/>
+              <a:t> (</a:t>
+            </a:r>
+            <a:r>
+              <a:rPr lang="uk-UA" dirty="0"/>
+              <a:t>тестування знань студентів</a:t>
+            </a:r>
+            <a:r>
+              <a:rPr lang="en-US" dirty="0"/>
+              <a:t>)</a:t>
+            </a:r>
+            <a:endParaRPr lang="uk-UA" dirty="0"/>
           </a:p>
         </p:txBody>
       </p:sp>
@@ -6000,44 +6443,46 @@
         <p:spPr>
           <a:xfrm>
             <a:off x="677334" y="1474573"/>
-            <a:ext cx="4184035" cy="4566788"/>
+            <a:ext cx="5089152" cy="4794422"/>
           </a:xfrm>
         </p:spPr>
         <p:txBody>
-          <a:bodyPr/>
+          <a:bodyPr>
+            <a:normAutofit fontScale="92500" lnSpcReduction="10000"/>
+          </a:bodyPr>
           <a:lstStyle/>
           <a:p>
             <a:pPr lvl="0"/>
             <a:r>
-              <a:rPr lang="uk-UA" dirty="0"/>
+              <a:rPr lang="uk-UA" sz="2400" dirty="0"/>
               <a:t>упродовж досить обмеженого часу може бути перевірена якість знань;</a:t>
             </a:r>
           </a:p>
           <a:p>
             <a:pPr lvl="0"/>
             <a:r>
-              <a:rPr lang="uk-UA" dirty="0"/>
+              <a:rPr lang="uk-UA" sz="2400" dirty="0"/>
               <a:t>можливий контроль знань, умінь, навичок на необхідному, заздалегідь запланованому рівні;</a:t>
             </a:r>
           </a:p>
           <a:p>
             <a:pPr lvl="0"/>
             <a:r>
-              <a:rPr lang="uk-UA" dirty="0"/>
+              <a:rPr lang="uk-UA" sz="2400" dirty="0"/>
               <a:t>об’єктивне оцінювання знань;</a:t>
             </a:r>
           </a:p>
           <a:p>
             <a:pPr lvl="0"/>
             <a:r>
-              <a:rPr lang="uk-UA" dirty="0"/>
+              <a:rPr lang="uk-UA" sz="2400" dirty="0"/>
               <a:t>увага студента фіксується не на формуванні відповіді, а не осмисленні її суті;</a:t>
             </a:r>
           </a:p>
           <a:p>
             <a:pPr lvl="0"/>
             <a:r>
-              <a:rPr lang="uk-UA" dirty="0"/>
+              <a:rPr lang="uk-UA" sz="2400" dirty="0"/>
               <a:t>створюють умови для постійного зворотнього зв’язку між студентом і викладачем.</a:t>
             </a:r>
           </a:p>
@@ -6109,7 +6554,36 @@
           <a:prstGeom prst="rect">
             <a:avLst/>
           </a:prstGeom>
-          <a:noFill/>
+          <a:solidFill>
+            <a:srgbClr val="FFFFFF">
+              <a:shade val="85000"/>
+            </a:srgbClr>
+          </a:solidFill>
+          <a:ln w="88900" cap="sq">
+            <a:solidFill>
+              <a:srgbClr val="FFFFFF"/>
+            </a:solidFill>
+            <a:miter lim="800000"/>
+          </a:ln>
+          <a:effectLst>
+            <a:outerShdw blurRad="55000" dist="18000" dir="5400000" algn="tl" rotWithShape="0">
+              <a:srgbClr val="000000">
+                <a:alpha val="40000"/>
+              </a:srgbClr>
+            </a:outerShdw>
+          </a:effectLst>
+          <a:scene3d>
+            <a:camera prst="orthographicFront"/>
+            <a:lightRig rig="twoPt" dir="t">
+              <a:rot lat="0" lon="0" rev="7200000"/>
+            </a:lightRig>
+          </a:scene3d>
+          <a:sp3d>
+            <a:bevelT w="25400" h="19050"/>
+            <a:contourClr>
+              <a:srgbClr val="FFFFFF"/>
+            </a:contourClr>
+          </a:sp3d>
           <a:extLst>
             <a:ext uri="{909E8E84-426E-40DD-AFC4-6F175D3DCCD1}">
               <a14:hiddenFill xmlns:a14="http://schemas.microsoft.com/office/drawing/2010/main">
@@ -6217,7 +6691,7 @@
               <a:t>«Вивчаємо китайський - </a:t>
             </a:r>
             <a:r>
-              <a:rPr lang="en-US" sz="2400" dirty="0" err="1"/>
+              <a:rPr lang="en-US" sz="2400" dirty="0"/>
               <a:t>ChineseSkill</a:t>
             </a:r>
             <a:r>
@@ -6275,6 +6749,36 @@
           <a:prstGeom prst="rect">
             <a:avLst/>
           </a:prstGeom>
+          <a:solidFill>
+            <a:srgbClr val="FFFFFF">
+              <a:shade val="85000"/>
+            </a:srgbClr>
+          </a:solidFill>
+          <a:ln w="88900" cap="sq">
+            <a:solidFill>
+              <a:srgbClr val="FFFFFF"/>
+            </a:solidFill>
+            <a:miter lim="800000"/>
+          </a:ln>
+          <a:effectLst>
+            <a:outerShdw blurRad="55000" dist="18000" dir="5400000" algn="tl" rotWithShape="0">
+              <a:srgbClr val="000000">
+                <a:alpha val="40000"/>
+              </a:srgbClr>
+            </a:outerShdw>
+          </a:effectLst>
+          <a:scene3d>
+            <a:camera prst="orthographicFront"/>
+            <a:lightRig rig="twoPt" dir="t">
+              <a:rot lat="0" lon="0" rev="7200000"/>
+            </a:lightRig>
+          </a:scene3d>
+          <a:sp3d>
+            <a:bevelT w="25400" h="19050"/>
+            <a:contourClr>
+              <a:srgbClr val="FFFFFF"/>
+            </a:contourClr>
+          </a:sp3d>
         </p:spPr>
       </p:pic>
       <p:pic>
@@ -6299,6 +6803,36 @@
           <a:prstGeom prst="rect">
             <a:avLst/>
           </a:prstGeom>
+          <a:solidFill>
+            <a:srgbClr val="FFFFFF">
+              <a:shade val="85000"/>
+            </a:srgbClr>
+          </a:solidFill>
+          <a:ln w="88900" cap="sq">
+            <a:solidFill>
+              <a:srgbClr val="FFFFFF"/>
+            </a:solidFill>
+            <a:miter lim="800000"/>
+          </a:ln>
+          <a:effectLst>
+            <a:outerShdw blurRad="55000" dist="18000" dir="5400000" algn="tl" rotWithShape="0">
+              <a:srgbClr val="000000">
+                <a:alpha val="40000"/>
+              </a:srgbClr>
+            </a:outerShdw>
+          </a:effectLst>
+          <a:scene3d>
+            <a:camera prst="orthographicFront"/>
+            <a:lightRig rig="twoPt" dir="t">
+              <a:rot lat="0" lon="0" rev="7200000"/>
+            </a:lightRig>
+          </a:scene3d>
+          <a:sp3d>
+            <a:bevelT w="25400" h="19050"/>
+            <a:contourClr>
+              <a:srgbClr val="FFFFFF"/>
+            </a:contourClr>
+          </a:sp3d>
         </p:spPr>
       </p:pic>
       <p:pic>
@@ -6323,6 +6857,36 @@
           <a:prstGeom prst="rect">
             <a:avLst/>
           </a:prstGeom>
+          <a:solidFill>
+            <a:srgbClr val="FFFFFF">
+              <a:shade val="85000"/>
+            </a:srgbClr>
+          </a:solidFill>
+          <a:ln w="88900" cap="sq">
+            <a:solidFill>
+              <a:srgbClr val="FFFFFF"/>
+            </a:solidFill>
+            <a:miter lim="800000"/>
+          </a:ln>
+          <a:effectLst>
+            <a:outerShdw blurRad="55000" dist="18000" dir="5400000" algn="tl" rotWithShape="0">
+              <a:srgbClr val="000000">
+                <a:alpha val="40000"/>
+              </a:srgbClr>
+            </a:outerShdw>
+          </a:effectLst>
+          <a:scene3d>
+            <a:camera prst="orthographicFront"/>
+            <a:lightRig rig="twoPt" dir="t">
+              <a:rot lat="0" lon="0" rev="7200000"/>
+            </a:lightRig>
+          </a:scene3d>
+          <a:sp3d>
+            <a:bevelT w="25400" h="19050"/>
+            <a:contourClr>
+              <a:srgbClr val="FFFFFF"/>
+            </a:contourClr>
+          </a:sp3d>
         </p:spPr>
       </p:pic>
       <p:pic>
@@ -6347,6 +6911,36 @@
           <a:prstGeom prst="rect">
             <a:avLst/>
           </a:prstGeom>
+          <a:solidFill>
+            <a:srgbClr val="FFFFFF">
+              <a:shade val="85000"/>
+            </a:srgbClr>
+          </a:solidFill>
+          <a:ln w="88900" cap="sq">
+            <a:solidFill>
+              <a:srgbClr val="FFFFFF"/>
+            </a:solidFill>
+            <a:miter lim="800000"/>
+          </a:ln>
+          <a:effectLst>
+            <a:outerShdw blurRad="55000" dist="18000" dir="5400000" algn="tl" rotWithShape="0">
+              <a:srgbClr val="000000">
+                <a:alpha val="40000"/>
+              </a:srgbClr>
+            </a:outerShdw>
+          </a:effectLst>
+          <a:scene3d>
+            <a:camera prst="orthographicFront"/>
+            <a:lightRig rig="twoPt" dir="t">
+              <a:rot lat="0" lon="0" rev="7200000"/>
+            </a:lightRig>
+          </a:scene3d>
+          <a:sp3d>
+            <a:bevelT w="25400" h="19050"/>
+            <a:contourClr>
+              <a:srgbClr val="FFFFFF"/>
+            </a:contourClr>
+          </a:sp3d>
         </p:spPr>
       </p:pic>
     </p:spTree>
@@ -6389,7 +6983,12 @@
             <p:ph type="title"/>
           </p:nvPr>
         </p:nvSpPr>
-        <p:spPr/>
+        <p:spPr>
+          <a:xfrm>
+            <a:off x="677334" y="609600"/>
+            <a:ext cx="8596668" cy="774357"/>
+          </a:xfrm>
+        </p:spPr>
         <p:txBody>
           <a:bodyPr/>
           <a:lstStyle/>
@@ -6413,51 +7012,44 @@
         </p:nvSpPr>
         <p:spPr>
           <a:xfrm>
-            <a:off x="677334" y="2160589"/>
-            <a:ext cx="6571963" cy="3880773"/>
+            <a:off x="677334" y="1598141"/>
+            <a:ext cx="8450190" cy="4753232"/>
           </a:xfrm>
         </p:spPr>
         <p:txBody>
-          <a:bodyPr/>
+          <a:bodyPr>
+            <a:normAutofit/>
+          </a:bodyPr>
           <a:lstStyle/>
           <a:p>
             <a:r>
-              <a:rPr lang="uk-UA" dirty="0"/>
+              <a:rPr lang="uk-UA" sz="2400" dirty="0"/>
               <a:t>Розробка мобільного додатку для тестування знань студентів;</a:t>
             </a:r>
           </a:p>
           <a:p>
             <a:r>
-              <a:rPr lang="uk-UA" dirty="0"/>
-              <a:t>Надати можливість самоперевірки якості знань;</a:t>
-            </a:r>
-          </a:p>
-          <a:p>
-            <a:r>
-              <a:rPr lang="uk-UA" dirty="0"/>
-              <a:t>Реалізація тестування з збереженням результатів;</a:t>
-            </a:r>
-          </a:p>
-          <a:p>
-            <a:r>
-              <a:rPr lang="uk-UA" dirty="0"/>
-              <a:t>Проектування та розробка веб-системи для додаткової функціональності;</a:t>
-            </a:r>
-          </a:p>
-          <a:p>
-            <a:r>
-              <a:rPr lang="uk-UA" dirty="0"/>
-              <a:t>Надати викладачу можливість перегляду результатів студентів;</a:t>
-            </a:r>
-          </a:p>
-          <a:p>
-            <a:r>
-              <a:rPr lang="uk-UA" dirty="0"/>
-              <a:t>Можливість віддаленого наповнення бази даних;</a:t>
-            </a:r>
-          </a:p>
-          <a:p>
-            <a:endParaRPr lang="uk-UA" dirty="0"/>
+              <a:rPr lang="uk-UA" sz="2400" dirty="0"/>
+              <a:t>Реалізація тестування по питаннях з вибраних курсів, модулів або тем зі збереженням результатів;</a:t>
+            </a:r>
+          </a:p>
+          <a:p>
+            <a:r>
+              <a:rPr lang="uk-UA" sz="2400" dirty="0"/>
+              <a:t>Реалізація можливості вивантаження результатів у віддалену базу даних;</a:t>
+            </a:r>
+          </a:p>
+          <a:p>
+            <a:r>
+              <a:rPr lang="uk-UA" sz="2400" dirty="0"/>
+              <a:t>Проектування та розробка веб-системи для можливість віддаленого наповнення бази даних;</a:t>
+            </a:r>
+          </a:p>
+          <a:p>
+            <a:r>
+              <a:rPr lang="uk-UA" sz="2400" dirty="0"/>
+              <a:t>Реалізація можливість перегляду вивантажених результатів студентами.</a:t>
+            </a:r>
           </a:p>
         </p:txBody>
       </p:sp>
@@ -6523,7 +7115,12 @@
             <p:ph idx="1"/>
           </p:nvPr>
         </p:nvSpPr>
-        <p:spPr/>
+        <p:spPr>
+          <a:xfrm>
+            <a:off x="677333" y="2718486"/>
+            <a:ext cx="4751401" cy="3322876"/>
+          </a:xfrm>
+        </p:spPr>
         <p:txBody>
           <a:bodyPr>
             <a:normAutofit/>
@@ -6531,67 +7128,246 @@
           <a:lstStyle/>
           <a:p>
             <a:r>
+              <a:rPr lang="en-US" sz="2400" dirty="0"/>
+              <a:t>Visual Studio 2015 </a:t>
+            </a:r>
+            <a:r>
+              <a:rPr lang="uk-UA" sz="2400" dirty="0"/>
+              <a:t>та </a:t>
+            </a:r>
+            <a:r>
+              <a:rPr lang="en-US" sz="2400" dirty="0"/>
+              <a:t>.NET 4.0</a:t>
+            </a:r>
+          </a:p>
+          <a:p>
+            <a:r>
+              <a:rPr lang="en-US" sz="2400" dirty="0"/>
+              <a:t>Windows Phone SDK 8.1</a:t>
+            </a:r>
+          </a:p>
+          <a:p>
+            <a:r>
+              <a:rPr lang="en-US" sz="2400" dirty="0"/>
+              <a:t>SQLite </a:t>
+            </a:r>
+            <a:r>
+              <a:rPr lang="uk-UA" sz="2400" dirty="0"/>
+              <a:t>СУБД </a:t>
+            </a:r>
+            <a:r>
+              <a:rPr lang="uk-UA" sz="1900" dirty="0"/>
+              <a:t>(</a:t>
+            </a:r>
+            <a:r>
               <a:rPr lang="en-US" dirty="0"/>
-              <a:t>Visual Studio 2015 .NET 4.0</a:t>
-            </a:r>
-          </a:p>
-          <a:p>
-            <a:r>
-              <a:rPr lang="en-US" dirty="0"/>
-              <a:t>Windows Phone SDK 8.1</a:t>
-            </a:r>
-          </a:p>
-          <a:p>
-            <a:r>
-              <a:rPr lang="en-US" dirty="0"/>
-              <a:t>SQLite </a:t>
-            </a:r>
-            <a:r>
-              <a:rPr lang="uk-UA" dirty="0"/>
+              <a:t>SQLite-PCL, SQLite-Net Extensions</a:t>
+            </a:r>
+            <a:r>
+              <a:rPr lang="uk-UA" sz="1900" dirty="0"/>
+              <a:t>)</a:t>
+            </a:r>
+          </a:p>
+          <a:p>
+            <a:r>
+              <a:rPr lang="en-US" sz="2400" dirty="0"/>
+              <a:t>C# 6.0</a:t>
+            </a:r>
+          </a:p>
+          <a:p>
+            <a:endParaRPr lang="en-US" sz="2400" dirty="0"/>
+          </a:p>
+        </p:txBody>
+      </p:sp>
+      <p:sp>
+        <p:nvSpPr>
+          <p:cNvPr id="5" name="TextBox 4">
+            <a:extLst>
+              <a:ext uri="{FF2B5EF4-FFF2-40B4-BE49-F238E27FC236}">
+                <a16:creationId xmlns:a16="http://schemas.microsoft.com/office/drawing/2014/main" id="{5B47B4CB-51F8-4B17-AF5E-2081243BE2B1}"/>
+              </a:ext>
+            </a:extLst>
+          </p:cNvPr>
+          <p:cNvSpPr txBox="1"/>
+          <p:nvPr/>
+        </p:nvSpPr>
+        <p:spPr>
+          <a:xfrm>
+            <a:off x="5585254" y="2718486"/>
+            <a:ext cx="4226011" cy="2728952"/>
+          </a:xfrm>
+          <a:prstGeom prst="rect">
+            <a:avLst/>
+          </a:prstGeom>
+          <a:noFill/>
+        </p:spPr>
+        <p:txBody>
+          <a:bodyPr wrap="square" rtlCol="0">
+            <a:spAutoFit/>
+          </a:bodyPr>
+          <a:lstStyle/>
+          <a:p>
+            <a:pPr marL="342900" indent="-342900">
+              <a:spcBef>
+                <a:spcPts val="1000"/>
+              </a:spcBef>
+              <a:buClr>
+                <a:schemeClr val="accent1"/>
+              </a:buClr>
+              <a:buSzPct val="80000"/>
+              <a:buFont typeface="Wingdings 3" charset="2"/>
+              <a:buChar char=""/>
+            </a:pPr>
+            <a:r>
+              <a:rPr lang="en-US" sz="2400" dirty="0">
+                <a:solidFill>
+                  <a:schemeClr val="tx1">
+                    <a:lumMod val="75000"/>
+                    <a:lumOff val="25000"/>
+                  </a:schemeClr>
+                </a:solidFill>
+              </a:rPr>
+              <a:t>Docker (Docker-compose)</a:t>
+            </a:r>
+            <a:endParaRPr lang="uk-UA" sz="2400" dirty="0">
+              <a:solidFill>
+                <a:schemeClr val="tx1">
+                  <a:lumMod val="75000"/>
+                  <a:lumOff val="25000"/>
+                </a:schemeClr>
+              </a:solidFill>
+            </a:endParaRPr>
+          </a:p>
+          <a:p>
+            <a:pPr marL="342900" indent="-342900">
+              <a:spcBef>
+                <a:spcPts val="1000"/>
+              </a:spcBef>
+              <a:buClr>
+                <a:schemeClr val="accent1"/>
+              </a:buClr>
+              <a:buSzPct val="80000"/>
+              <a:buFont typeface="Wingdings 3" charset="2"/>
+              <a:buChar char=""/>
+            </a:pPr>
+            <a:r>
+              <a:rPr lang="en-US" sz="2400" dirty="0">
+                <a:solidFill>
+                  <a:schemeClr val="tx1">
+                    <a:lumMod val="75000"/>
+                    <a:lumOff val="25000"/>
+                  </a:schemeClr>
+                </a:solidFill>
+              </a:rPr>
+              <a:t>PhpStorm 2017</a:t>
+            </a:r>
+          </a:p>
+          <a:p>
+            <a:pPr marL="342900" indent="-342900">
+              <a:spcBef>
+                <a:spcPts val="1000"/>
+              </a:spcBef>
+              <a:buClr>
+                <a:schemeClr val="accent1"/>
+              </a:buClr>
+              <a:buSzPct val="80000"/>
+              <a:buFont typeface="Wingdings 3" charset="2"/>
+              <a:buChar char=""/>
+            </a:pPr>
+            <a:r>
+              <a:rPr lang="en-US" sz="2400" dirty="0">
+                <a:solidFill>
+                  <a:schemeClr val="tx1">
+                    <a:lumMod val="75000"/>
+                    <a:lumOff val="25000"/>
+                  </a:schemeClr>
+                </a:solidFill>
+              </a:rPr>
+              <a:t>Symfony 3.2</a:t>
+            </a:r>
+            <a:endParaRPr lang="uk-UA" sz="2400" dirty="0">
+              <a:solidFill>
+                <a:schemeClr val="tx1">
+                  <a:lumMod val="75000"/>
+                  <a:lumOff val="25000"/>
+                </a:schemeClr>
+              </a:solidFill>
+            </a:endParaRPr>
+          </a:p>
+          <a:p>
+            <a:pPr marL="342900" indent="-342900">
+              <a:spcBef>
+                <a:spcPts val="1000"/>
+              </a:spcBef>
+              <a:buClr>
+                <a:schemeClr val="accent1"/>
+              </a:buClr>
+              <a:buSzPct val="80000"/>
+              <a:buFont typeface="Wingdings 3" charset="2"/>
+              <a:buChar char=""/>
+            </a:pPr>
+            <a:r>
+              <a:rPr lang="en-US" sz="2400" dirty="0">
+                <a:solidFill>
+                  <a:schemeClr val="tx1">
+                    <a:lumMod val="75000"/>
+                    <a:lumOff val="25000"/>
+                  </a:schemeClr>
+                </a:solidFill>
+              </a:rPr>
+              <a:t>MySQL </a:t>
+            </a:r>
+            <a:r>
+              <a:rPr lang="uk-UA" sz="2400" dirty="0">
+                <a:solidFill>
+                  <a:schemeClr val="tx1">
+                    <a:lumMod val="75000"/>
+                    <a:lumOff val="25000"/>
+                  </a:schemeClr>
+                </a:solidFill>
+              </a:rPr>
               <a:t>СУБД</a:t>
             </a:r>
-          </a:p>
-          <a:p>
-            <a:r>
-              <a:rPr lang="en-US" dirty="0"/>
-              <a:t>C#</a:t>
-            </a:r>
-          </a:p>
-          <a:p>
-            <a:endParaRPr lang="en-US" dirty="0"/>
-          </a:p>
-          <a:p>
-            <a:r>
-              <a:rPr lang="en-US" dirty="0"/>
-              <a:t>Docker</a:t>
-            </a:r>
-          </a:p>
-          <a:p>
-            <a:r>
-              <a:rPr lang="en-US" dirty="0" err="1"/>
-              <a:t>PhP</a:t>
-            </a:r>
-            <a:endParaRPr lang="en-US" dirty="0"/>
-          </a:p>
-          <a:p>
-            <a:r>
-              <a:rPr lang="en-US" dirty="0"/>
-              <a:t>MySQL </a:t>
-            </a:r>
-            <a:r>
-              <a:rPr lang="uk-UA" dirty="0"/>
-              <a:t>СУБД</a:t>
-            </a:r>
-          </a:p>
-          <a:p>
-            <a:r>
-              <a:rPr lang="en-US" dirty="0" err="1"/>
-              <a:t>Symfony</a:t>
-            </a:r>
-            <a:r>
-              <a:rPr lang="en-US" dirty="0"/>
-              <a:t> 3.2</a:t>
-            </a:r>
+            <a:endParaRPr lang="en-US" sz="2400" dirty="0">
+              <a:solidFill>
+                <a:schemeClr val="tx1">
+                  <a:lumMod val="75000"/>
+                  <a:lumOff val="25000"/>
+                </a:schemeClr>
+              </a:solidFill>
+            </a:endParaRPr>
+          </a:p>
+          <a:p>
+            <a:pPr marL="342900" indent="-342900">
+              <a:spcBef>
+                <a:spcPts val="1000"/>
+              </a:spcBef>
+              <a:buClr>
+                <a:schemeClr val="accent1"/>
+              </a:buClr>
+              <a:buSzPct val="80000"/>
+              <a:buFont typeface="Wingdings 3" charset="2"/>
+              <a:buChar char=""/>
+            </a:pPr>
+            <a:r>
+              <a:rPr lang="en-US" sz="2400" dirty="0">
+                <a:solidFill>
+                  <a:schemeClr val="tx1">
+                    <a:lumMod val="75000"/>
+                    <a:lumOff val="25000"/>
+                  </a:schemeClr>
+                </a:solidFill>
+              </a:rPr>
+              <a:t>PHP</a:t>
+            </a:r>
+            <a:endParaRPr lang="uk-UA" sz="2400" dirty="0">
+              <a:solidFill>
+                <a:schemeClr val="tx1">
+                  <a:lumMod val="75000"/>
+                  <a:lumOff val="25000"/>
+                </a:schemeClr>
+              </a:solidFill>
+            </a:endParaRPr>
           </a:p>
           <a:p>
             <a:endParaRPr lang="uk-UA" dirty="0"/>
@@ -6638,7 +7414,12 @@
             <p:ph type="title"/>
           </p:nvPr>
         </p:nvSpPr>
-        <p:spPr/>
+        <p:spPr>
+          <a:xfrm>
+            <a:off x="677334" y="609600"/>
+            <a:ext cx="10921542" cy="1320800"/>
+          </a:xfrm>
+        </p:spPr>
         <p:txBody>
           <a:bodyPr/>
           <a:lstStyle/>
@@ -6647,6 +7428,19 @@
               <a:rPr lang="uk-UA" dirty="0"/>
               <a:t>Діаграми прецедентів</a:t>
             </a:r>
+            <a:r>
+              <a:rPr lang="en-US" dirty="0"/>
+              <a:t> (</a:t>
+            </a:r>
+            <a:r>
+              <a:rPr lang="uk-UA" dirty="0"/>
+              <a:t>варіантів використання</a:t>
+            </a:r>
+            <a:r>
+              <a:rPr lang="en-US" dirty="0"/>
+              <a:t>)</a:t>
+            </a:r>
+            <a:endParaRPr lang="uk-UA" dirty="0"/>
           </a:p>
         </p:txBody>
       </p:sp>
@@ -6664,12 +7458,42 @@
         </p:blipFill>
         <p:spPr>
           <a:xfrm>
-            <a:off x="1335816" y="1930400"/>
-            <a:ext cx="7279703" cy="4311872"/>
+            <a:off x="1158073" y="1614616"/>
+            <a:ext cx="7635189" cy="4619418"/>
           </a:xfrm>
           <a:prstGeom prst="rect">
             <a:avLst/>
           </a:prstGeom>
+          <a:solidFill>
+            <a:srgbClr val="FFFFFF">
+              <a:shade val="85000"/>
+            </a:srgbClr>
+          </a:solidFill>
+          <a:ln w="88900" cap="sq">
+            <a:solidFill>
+              <a:srgbClr val="FFFFFF"/>
+            </a:solidFill>
+            <a:miter lim="800000"/>
+          </a:ln>
+          <a:effectLst>
+            <a:outerShdw blurRad="55000" dist="18000" dir="5400000" algn="tl" rotWithShape="0">
+              <a:srgbClr val="000000">
+                <a:alpha val="40000"/>
+              </a:srgbClr>
+            </a:outerShdw>
+          </a:effectLst>
+          <a:scene3d>
+            <a:camera prst="orthographicFront"/>
+            <a:lightRig rig="twoPt" dir="t">
+              <a:rot lat="0" lon="0" rev="7200000"/>
+            </a:lightRig>
+          </a:scene3d>
+          <a:sp3d>
+            <a:bevelT w="25400" h="19050"/>
+            <a:contourClr>
+              <a:srgbClr val="FFFFFF"/>
+            </a:contourClr>
+          </a:sp3d>
         </p:spPr>
       </p:pic>
     </p:spTree>
@@ -6712,22 +7536,35 @@
             <p:ph type="title"/>
           </p:nvPr>
         </p:nvSpPr>
-        <p:spPr/>
+        <p:spPr>
+          <a:xfrm>
+            <a:off x="677334" y="609600"/>
+            <a:ext cx="8596668" cy="700216"/>
+          </a:xfrm>
+        </p:spPr>
         <p:txBody>
           <a:bodyPr/>
           <a:lstStyle/>
           <a:p>
             <a:r>
               <a:rPr lang="uk-UA" dirty="0"/>
-              <a:t>Модель бази даних</a:t>
+              <a:t>Схема бази даних</a:t>
             </a:r>
           </a:p>
         </p:txBody>
       </p:sp>
       <p:pic>
         <p:nvPicPr>
-          <p:cNvPr id="4" name="Рисунок 3"/>
-          <p:cNvPicPr/>
+          <p:cNvPr id="5" name="Рисунок 4">
+            <a:extLst>
+              <a:ext uri="{FF2B5EF4-FFF2-40B4-BE49-F238E27FC236}">
+                <a16:creationId xmlns:a16="http://schemas.microsoft.com/office/drawing/2014/main" id="{46F34C42-559B-42AF-BC94-C0799A5A7B51}"/>
+              </a:ext>
+            </a:extLst>
+          </p:cNvPr>
+          <p:cNvPicPr>
+            <a:picLocks noChangeAspect="1"/>
+          </p:cNvPicPr>
           <p:nvPr/>
         </p:nvPicPr>
         <p:blipFill>
@@ -6738,12 +7575,42 @@
         </p:blipFill>
         <p:spPr>
           <a:xfrm>
-            <a:off x="1705824" y="1516345"/>
-            <a:ext cx="6845052" cy="4950357"/>
+            <a:off x="1219568" y="1400433"/>
+            <a:ext cx="7512200" cy="5012724"/>
           </a:xfrm>
           <a:prstGeom prst="rect">
             <a:avLst/>
           </a:prstGeom>
+          <a:solidFill>
+            <a:srgbClr val="FFFFFF">
+              <a:shade val="85000"/>
+            </a:srgbClr>
+          </a:solidFill>
+          <a:ln w="88900" cap="sq">
+            <a:solidFill>
+              <a:srgbClr val="FFFFFF"/>
+            </a:solidFill>
+            <a:miter lim="800000"/>
+          </a:ln>
+          <a:effectLst>
+            <a:outerShdw blurRad="55000" dist="18000" dir="5400000" algn="tl" rotWithShape="0">
+              <a:srgbClr val="000000">
+                <a:alpha val="40000"/>
+              </a:srgbClr>
+            </a:outerShdw>
+          </a:effectLst>
+          <a:scene3d>
+            <a:camera prst="orthographicFront"/>
+            <a:lightRig rig="twoPt" dir="t">
+              <a:rot lat="0" lon="0" rev="7200000"/>
+            </a:lightRig>
+          </a:scene3d>
+          <a:sp3d>
+            <a:bevelT w="25400" h="19050"/>
+            <a:contourClr>
+              <a:srgbClr val="FFFFFF"/>
+            </a:contourClr>
+          </a:sp3d>
         </p:spPr>
       </p:pic>
     </p:spTree>
@@ -6800,19 +7667,28 @@
       </p:sp>
       <p:pic>
         <p:nvPicPr>
-          <p:cNvPr id="4" name="Рисунок 3"/>
-          <p:cNvPicPr/>
+          <p:cNvPr id="3" name="Рисунок 2">
+            <a:extLst>
+              <a:ext uri="{FF2B5EF4-FFF2-40B4-BE49-F238E27FC236}">
+                <a16:creationId xmlns:a16="http://schemas.microsoft.com/office/drawing/2014/main" id="{F7628B89-E60A-4C3D-98A9-890852735F8E}"/>
+              </a:ext>
+            </a:extLst>
+          </p:cNvPr>
+          <p:cNvPicPr>
+            <a:picLocks noChangeAspect="1"/>
+          </p:cNvPicPr>
           <p:nvPr/>
         </p:nvPicPr>
-        <p:blipFill rotWithShape="1">
+        <p:blipFill>
           <a:blip r:embed="rId2"/>
-          <a:srcRect l="4568" t="4179" r="5907" b="3626"/>
-          <a:stretch/>
+          <a:stretch>
+            <a:fillRect/>
+          </a:stretch>
         </p:blipFill>
-        <p:spPr bwMode="auto">
+        <p:spPr>
           <a:xfrm>
-            <a:off x="6619505" y="1670006"/>
-            <a:ext cx="2721172" cy="4901008"/>
+            <a:off x="1309721" y="2889274"/>
+            <a:ext cx="1208095" cy="2154194"/>
           </a:xfrm>
           <a:prstGeom prst="rect">
             <a:avLst/>
@@ -6822,41 +7698,45 @@
               <a:shade val="85000"/>
             </a:srgbClr>
           </a:solidFill>
-          <a:ln w="190500" cap="rnd">
+          <a:ln w="88900" cap="sq">
             <a:solidFill>
               <a:srgbClr val="FFFFFF"/>
             </a:solidFill>
+            <a:miter lim="800000"/>
           </a:ln>
           <a:effectLst>
-            <a:outerShdw blurRad="50000" algn="tl" rotWithShape="0">
+            <a:outerShdw blurRad="55000" dist="18000" dir="5400000" algn="tl" rotWithShape="0">
               <a:srgbClr val="000000">
-                <a:alpha val="41000"/>
+                <a:alpha val="40000"/>
               </a:srgbClr>
             </a:outerShdw>
           </a:effectLst>
           <a:scene3d>
             <a:camera prst="orthographicFront"/>
             <a:lightRig rig="twoPt" dir="t">
-              <a:rot lat="0" lon="0" rev="7800000"/>
+              <a:rot lat="0" lon="0" rev="7200000"/>
             </a:lightRig>
           </a:scene3d>
-          <a:sp3d contourW="6350">
-            <a:bevelT w="50800" h="16510"/>
+          <a:sp3d>
+            <a:bevelT w="25400" h="19050"/>
             <a:contourClr>
-              <a:srgbClr val="C0C0C0"/>
+              <a:srgbClr val="FFFFFF"/>
             </a:contourClr>
           </a:sp3d>
-          <a:extLst>
-            <a:ext uri="{53640926-AAD7-44D8-BBD7-CCE9431645EC}">
-              <a14:shadowObscured xmlns:a14="http://schemas.microsoft.com/office/drawing/2010/main"/>
-            </a:ext>
-          </a:extLst>
         </p:spPr>
       </p:pic>
       <p:pic>
         <p:nvPicPr>
-          <p:cNvPr id="5" name="Рисунок 4"/>
-          <p:cNvPicPr/>
+          <p:cNvPr id="6" name="Рисунок 5">
+            <a:extLst>
+              <a:ext uri="{FF2B5EF4-FFF2-40B4-BE49-F238E27FC236}">
+                <a16:creationId xmlns:a16="http://schemas.microsoft.com/office/drawing/2014/main" id="{D6D818CE-1C69-446F-859F-E7955DD09EBB}"/>
+              </a:ext>
+            </a:extLst>
+          </p:cNvPr>
+          <p:cNvPicPr>
+            <a:picLocks noChangeAspect="1"/>
+          </p:cNvPicPr>
           <p:nvPr/>
         </p:nvPicPr>
         <p:blipFill>
@@ -6867,8 +7747,248 @@
         </p:blipFill>
         <p:spPr>
           <a:xfrm>
-            <a:off x="677334" y="2308524"/>
-            <a:ext cx="5121821" cy="3262022"/>
+            <a:off x="2748416" y="2136207"/>
+            <a:ext cx="1874624" cy="3342703"/>
+          </a:xfrm>
+          <a:prstGeom prst="rect">
+            <a:avLst/>
+          </a:prstGeom>
+          <a:solidFill>
+            <a:srgbClr val="FFFFFF">
+              <a:shade val="85000"/>
+            </a:srgbClr>
+          </a:solidFill>
+          <a:ln w="88900" cap="sq">
+            <a:solidFill>
+              <a:srgbClr val="FFFFFF"/>
+            </a:solidFill>
+            <a:miter lim="800000"/>
+          </a:ln>
+          <a:effectLst>
+            <a:outerShdw blurRad="55000" dist="18000" dir="5400000" algn="tl" rotWithShape="0">
+              <a:srgbClr val="000000">
+                <a:alpha val="40000"/>
+              </a:srgbClr>
+            </a:outerShdw>
+          </a:effectLst>
+          <a:scene3d>
+            <a:camera prst="orthographicFront"/>
+            <a:lightRig rig="twoPt" dir="t">
+              <a:rot lat="0" lon="0" rev="7200000"/>
+            </a:lightRig>
+          </a:scene3d>
+          <a:sp3d>
+            <a:bevelT w="25400" h="19050"/>
+            <a:contourClr>
+              <a:srgbClr val="FFFFFF"/>
+            </a:contourClr>
+          </a:sp3d>
+        </p:spPr>
+      </p:pic>
+      <p:pic>
+        <p:nvPicPr>
+          <p:cNvPr id="7" name="Рисунок 6">
+            <a:extLst>
+              <a:ext uri="{FF2B5EF4-FFF2-40B4-BE49-F238E27FC236}">
+                <a16:creationId xmlns:a16="http://schemas.microsoft.com/office/drawing/2014/main" id="{9C89AC8B-A35E-4AA9-912B-2D18CDE47DC1}"/>
+              </a:ext>
+            </a:extLst>
+          </p:cNvPr>
+          <p:cNvPicPr>
+            <a:picLocks noChangeAspect="1"/>
+          </p:cNvPicPr>
+          <p:nvPr/>
+        </p:nvPicPr>
+        <p:blipFill>
+          <a:blip r:embed="rId4"/>
+          <a:stretch>
+            <a:fillRect/>
+          </a:stretch>
+        </p:blipFill>
+        <p:spPr>
+          <a:xfrm>
+            <a:off x="420065" y="4766433"/>
+            <a:ext cx="3219481" cy="1814353"/>
+          </a:xfrm>
+          <a:prstGeom prst="rect">
+            <a:avLst/>
+          </a:prstGeom>
+          <a:solidFill>
+            <a:srgbClr val="FFFFFF">
+              <a:shade val="85000"/>
+            </a:srgbClr>
+          </a:solidFill>
+          <a:ln w="88900" cap="sq">
+            <a:solidFill>
+              <a:srgbClr val="FFFFFF"/>
+            </a:solidFill>
+            <a:miter lim="800000"/>
+          </a:ln>
+          <a:effectLst>
+            <a:outerShdw blurRad="55000" dist="18000" dir="5400000" algn="tl" rotWithShape="0">
+              <a:srgbClr val="000000">
+                <a:alpha val="40000"/>
+              </a:srgbClr>
+            </a:outerShdw>
+          </a:effectLst>
+          <a:scene3d>
+            <a:camera prst="orthographicFront"/>
+            <a:lightRig rig="twoPt" dir="t">
+              <a:rot lat="0" lon="0" rev="7200000"/>
+            </a:lightRig>
+          </a:scene3d>
+          <a:sp3d>
+            <a:bevelT w="25400" h="19050"/>
+            <a:contourClr>
+              <a:srgbClr val="FFFFFF"/>
+            </a:contourClr>
+          </a:sp3d>
+        </p:spPr>
+      </p:pic>
+      <p:pic>
+        <p:nvPicPr>
+          <p:cNvPr id="9" name="Рисунок 8">
+            <a:extLst>
+              <a:ext uri="{FF2B5EF4-FFF2-40B4-BE49-F238E27FC236}">
+                <a16:creationId xmlns:a16="http://schemas.microsoft.com/office/drawing/2014/main" id="{BE1C416E-3968-4453-82F5-C6D72549FD04}"/>
+              </a:ext>
+            </a:extLst>
+          </p:cNvPr>
+          <p:cNvPicPr>
+            <a:picLocks noChangeAspect="1"/>
+          </p:cNvPicPr>
+          <p:nvPr/>
+        </p:nvPicPr>
+        <p:blipFill>
+          <a:blip r:embed="rId5"/>
+          <a:stretch>
+            <a:fillRect/>
+          </a:stretch>
+        </p:blipFill>
+        <p:spPr>
+          <a:xfrm>
+            <a:off x="4853640" y="1930400"/>
+            <a:ext cx="4472036" cy="2599572"/>
+          </a:xfrm>
+          <a:prstGeom prst="rect">
+            <a:avLst/>
+          </a:prstGeom>
+          <a:solidFill>
+            <a:srgbClr val="FFFFFF">
+              <a:shade val="85000"/>
+            </a:srgbClr>
+          </a:solidFill>
+          <a:ln w="88900" cap="sq">
+            <a:solidFill>
+              <a:srgbClr val="FFFFFF"/>
+            </a:solidFill>
+            <a:miter lim="800000"/>
+          </a:ln>
+          <a:effectLst>
+            <a:outerShdw blurRad="55000" dist="18000" dir="5400000" algn="tl" rotWithShape="0">
+              <a:srgbClr val="000000">
+                <a:alpha val="40000"/>
+              </a:srgbClr>
+            </a:outerShdw>
+          </a:effectLst>
+          <a:scene3d>
+            <a:camera prst="orthographicFront"/>
+            <a:lightRig rig="twoPt" dir="t">
+              <a:rot lat="0" lon="0" rev="7200000"/>
+            </a:lightRig>
+          </a:scene3d>
+          <a:sp3d>
+            <a:bevelT w="25400" h="19050"/>
+            <a:contourClr>
+              <a:srgbClr val="FFFFFF"/>
+            </a:contourClr>
+          </a:sp3d>
+        </p:spPr>
+      </p:pic>
+      <p:pic>
+        <p:nvPicPr>
+          <p:cNvPr id="8" name="Рисунок 7">
+            <a:extLst>
+              <a:ext uri="{FF2B5EF4-FFF2-40B4-BE49-F238E27FC236}">
+                <a16:creationId xmlns:a16="http://schemas.microsoft.com/office/drawing/2014/main" id="{1B3380D3-1DCB-4C18-A7E4-42E843DC8401}"/>
+              </a:ext>
+            </a:extLst>
+          </p:cNvPr>
+          <p:cNvPicPr>
+            <a:picLocks noChangeAspect="1"/>
+          </p:cNvPicPr>
+          <p:nvPr/>
+        </p:nvPicPr>
+        <p:blipFill>
+          <a:blip r:embed="rId6"/>
+          <a:stretch>
+            <a:fillRect/>
+          </a:stretch>
+        </p:blipFill>
+        <p:spPr>
+          <a:xfrm>
+            <a:off x="4846167" y="4766433"/>
+            <a:ext cx="3063701" cy="1780914"/>
+          </a:xfrm>
+          <a:prstGeom prst="rect">
+            <a:avLst/>
+          </a:prstGeom>
+          <a:solidFill>
+            <a:srgbClr val="FFFFFF">
+              <a:shade val="85000"/>
+            </a:srgbClr>
+          </a:solidFill>
+          <a:ln w="88900" cap="sq">
+            <a:solidFill>
+              <a:srgbClr val="FFFFFF"/>
+            </a:solidFill>
+            <a:miter lim="800000"/>
+          </a:ln>
+          <a:effectLst>
+            <a:outerShdw blurRad="55000" dist="18000" dir="5400000" algn="tl" rotWithShape="0">
+              <a:srgbClr val="000000">
+                <a:alpha val="40000"/>
+              </a:srgbClr>
+            </a:outerShdw>
+          </a:effectLst>
+          <a:scene3d>
+            <a:camera prst="orthographicFront"/>
+            <a:lightRig rig="twoPt" dir="t">
+              <a:rot lat="0" lon="0" rev="7200000"/>
+            </a:lightRig>
+          </a:scene3d>
+          <a:sp3d>
+            <a:bevelT w="25400" h="19050"/>
+            <a:contourClr>
+              <a:srgbClr val="FFFFFF"/>
+            </a:contourClr>
+          </a:sp3d>
+        </p:spPr>
+      </p:pic>
+      <p:pic>
+        <p:nvPicPr>
+          <p:cNvPr id="10" name="Рисунок 9">
+            <a:extLst>
+              <a:ext uri="{FF2B5EF4-FFF2-40B4-BE49-F238E27FC236}">
+                <a16:creationId xmlns:a16="http://schemas.microsoft.com/office/drawing/2014/main" id="{5B98D3C8-704E-423A-8833-53E0BB8D46A7}"/>
+              </a:ext>
+            </a:extLst>
+          </p:cNvPr>
+          <p:cNvPicPr>
+            <a:picLocks noChangeAspect="1"/>
+          </p:cNvPicPr>
+          <p:nvPr/>
+        </p:nvPicPr>
+        <p:blipFill>
+          <a:blip r:embed="rId7"/>
+          <a:stretch>
+            <a:fillRect/>
+          </a:stretch>
+        </p:blipFill>
+        <p:spPr>
+          <a:xfrm>
+            <a:off x="7210694" y="3639157"/>
+            <a:ext cx="3499862" cy="2034452"/>
           </a:xfrm>
           <a:prstGeom prst="rect">
             <a:avLst/>
@@ -6944,30 +8064,6 @@
           <p:nvPr/>
         </p:nvPicPr>
         <p:blipFill>
-          <a:blip r:embed="rId2"/>
-          <a:stretch>
-            <a:fillRect/>
-          </a:stretch>
-        </p:blipFill>
-        <p:spPr>
-          <a:xfrm>
-            <a:off x="5857232" y="1548713"/>
-            <a:ext cx="4852213" cy="3141834"/>
-          </a:xfrm>
-          <a:prstGeom prst="rect">
-            <a:avLst/>
-          </a:prstGeom>
-        </p:spPr>
-      </p:pic>
-      <p:pic>
-        <p:nvPicPr>
-          <p:cNvPr id="10" name="Рисунок 9"/>
-          <p:cNvPicPr>
-            <a:picLocks noChangeAspect="1"/>
-          </p:cNvPicPr>
-          <p:nvPr/>
-        </p:nvPicPr>
-        <p:blipFill>
           <a:blip r:embed="rId3"/>
           <a:stretch>
             <a:fillRect/>
@@ -6975,41 +8071,47 @@
         </p:blipFill>
         <p:spPr>
           <a:xfrm>
-            <a:off x="2666529" y="2025099"/>
-            <a:ext cx="2955634" cy="1662544"/>
+            <a:off x="5841479" y="1548713"/>
+            <a:ext cx="4852213" cy="3141834"/>
           </a:xfrm>
           <a:prstGeom prst="rect">
             <a:avLst/>
           </a:prstGeom>
+          <a:solidFill>
+            <a:srgbClr val="FFFFFF">
+              <a:shade val="85000"/>
+            </a:srgbClr>
+          </a:solidFill>
+          <a:ln w="88900" cap="sq">
+            <a:solidFill>
+              <a:srgbClr val="FFFFFF"/>
+            </a:solidFill>
+            <a:miter lim="800000"/>
+          </a:ln>
+          <a:effectLst>
+            <a:outerShdw blurRad="55000" dist="18000" dir="5400000" algn="tl" rotWithShape="0">
+              <a:srgbClr val="000000">
+                <a:alpha val="40000"/>
+              </a:srgbClr>
+            </a:outerShdw>
+          </a:effectLst>
+          <a:scene3d>
+            <a:camera prst="orthographicFront"/>
+            <a:lightRig rig="twoPt" dir="t">
+              <a:rot lat="0" lon="0" rev="7200000"/>
+            </a:lightRig>
+          </a:scene3d>
+          <a:sp3d>
+            <a:bevelT w="25400" h="19050"/>
+            <a:contourClr>
+              <a:srgbClr val="FFFFFF"/>
+            </a:contourClr>
+          </a:sp3d>
         </p:spPr>
       </p:pic>
-      <p:sp>
-        <p:nvSpPr>
-          <p:cNvPr id="2" name="Заголовок 1"/>
-          <p:cNvSpPr>
-            <a:spLocks noGrp="1"/>
-          </p:cNvSpPr>
-          <p:nvPr>
-            <p:ph type="title"/>
-          </p:nvPr>
-        </p:nvSpPr>
-        <p:spPr/>
-        <p:txBody>
-          <a:bodyPr>
-            <a:normAutofit/>
-          </a:bodyPr>
-          <a:lstStyle/>
-          <a:p>
-            <a:r>
-              <a:rPr lang="uk-UA" dirty="0"/>
-              <a:t>Екрани мобільного додатку та веб-системи</a:t>
-            </a:r>
-          </a:p>
-        </p:txBody>
-      </p:sp>
       <p:pic>
         <p:nvPicPr>
-          <p:cNvPr id="5" name="Рисунок 4"/>
+          <p:cNvPr id="10" name="Рисунок 9"/>
           <p:cNvPicPr>
             <a:picLocks noChangeAspect="1"/>
           </p:cNvPicPr>
@@ -7023,17 +8125,76 @@
         </p:blipFill>
         <p:spPr>
           <a:xfrm>
-            <a:off x="573433" y="2685535"/>
-            <a:ext cx="1738353" cy="3090405"/>
+            <a:off x="2666529" y="2025099"/>
+            <a:ext cx="2955634" cy="1662544"/>
           </a:xfrm>
           <a:prstGeom prst="rect">
             <a:avLst/>
           </a:prstGeom>
+          <a:solidFill>
+            <a:srgbClr val="FFFFFF">
+              <a:shade val="85000"/>
+            </a:srgbClr>
+          </a:solidFill>
+          <a:ln w="88900" cap="sq">
+            <a:solidFill>
+              <a:srgbClr val="FFFFFF"/>
+            </a:solidFill>
+            <a:miter lim="800000"/>
+          </a:ln>
+          <a:effectLst>
+            <a:outerShdw blurRad="55000" dist="18000" dir="5400000" algn="tl" rotWithShape="0">
+              <a:srgbClr val="000000">
+                <a:alpha val="40000"/>
+              </a:srgbClr>
+            </a:outerShdw>
+          </a:effectLst>
+          <a:scene3d>
+            <a:camera prst="orthographicFront"/>
+            <a:lightRig rig="twoPt" dir="t">
+              <a:rot lat="0" lon="0" rev="7200000"/>
+            </a:lightRig>
+          </a:scene3d>
+          <a:sp3d>
+            <a:bevelT w="25400" h="19050"/>
+            <a:contourClr>
+              <a:srgbClr val="FFFFFF"/>
+            </a:contourClr>
+          </a:sp3d>
         </p:spPr>
       </p:pic>
+      <p:sp>
+        <p:nvSpPr>
+          <p:cNvPr id="2" name="Заголовок 1"/>
+          <p:cNvSpPr>
+            <a:spLocks noGrp="1"/>
+          </p:cNvSpPr>
+          <p:nvPr>
+            <p:ph type="title"/>
+          </p:nvPr>
+        </p:nvSpPr>
+        <p:spPr>
+          <a:xfrm>
+            <a:off x="677334" y="609600"/>
+            <a:ext cx="9883574" cy="844413"/>
+          </a:xfrm>
+        </p:spPr>
+        <p:txBody>
+          <a:bodyPr>
+            <a:normAutofit/>
+          </a:bodyPr>
+          <a:lstStyle/>
+          <a:p>
+            <a:r>
+              <a:rPr lang="uk-UA" dirty="0"/>
+              <a:t>Екрани мобільного додатку та веб-системи</a:t>
+            </a:r>
+          </a:p>
+        </p:txBody>
+      </p:sp>
       <p:pic>
         <p:nvPicPr>
-          <p:cNvPr id="8" name="Рисунок 7"/>
+          <p:cNvPr id="5" name="Рисунок 4"/>
           <p:cNvPicPr>
             <a:picLocks noChangeAspect="1"/>
           </p:cNvPicPr>
@@ -7047,17 +8208,47 @@
         </p:blipFill>
         <p:spPr>
           <a:xfrm>
-            <a:off x="1480748" y="3129407"/>
-            <a:ext cx="1756283" cy="3122280"/>
+            <a:off x="330630" y="2630617"/>
+            <a:ext cx="1738353" cy="3090405"/>
           </a:xfrm>
           <a:prstGeom prst="rect">
             <a:avLst/>
           </a:prstGeom>
+          <a:solidFill>
+            <a:srgbClr val="FFFFFF">
+              <a:shade val="85000"/>
+            </a:srgbClr>
+          </a:solidFill>
+          <a:ln w="88900" cap="sq">
+            <a:solidFill>
+              <a:srgbClr val="FFFFFF"/>
+            </a:solidFill>
+            <a:miter lim="800000"/>
+          </a:ln>
+          <a:effectLst>
+            <a:outerShdw blurRad="55000" dist="18000" dir="5400000" algn="tl" rotWithShape="0">
+              <a:srgbClr val="000000">
+                <a:alpha val="40000"/>
+              </a:srgbClr>
+            </a:outerShdw>
+          </a:effectLst>
+          <a:scene3d>
+            <a:camera prst="orthographicFront"/>
+            <a:lightRig rig="twoPt" dir="t">
+              <a:rot lat="0" lon="0" rev="7200000"/>
+            </a:lightRig>
+          </a:scene3d>
+          <a:sp3d>
+            <a:bevelT w="25400" h="19050"/>
+            <a:contourClr>
+              <a:srgbClr val="FFFFFF"/>
+            </a:contourClr>
+          </a:sp3d>
         </p:spPr>
       </p:pic>
       <p:pic>
         <p:nvPicPr>
-          <p:cNvPr id="12" name="Рисунок 11"/>
+          <p:cNvPr id="8" name="Рисунок 7"/>
           <p:cNvPicPr>
             <a:picLocks noChangeAspect="1"/>
           </p:cNvPicPr>
@@ -7071,17 +8262,47 @@
         </p:blipFill>
         <p:spPr>
           <a:xfrm>
-            <a:off x="3345762" y="3782343"/>
-            <a:ext cx="1533636" cy="2726464"/>
+            <a:off x="1404145" y="3195310"/>
+            <a:ext cx="1756283" cy="3122280"/>
           </a:xfrm>
           <a:prstGeom prst="rect">
             <a:avLst/>
           </a:prstGeom>
+          <a:solidFill>
+            <a:srgbClr val="FFFFFF">
+              <a:shade val="85000"/>
+            </a:srgbClr>
+          </a:solidFill>
+          <a:ln w="88900" cap="sq">
+            <a:solidFill>
+              <a:srgbClr val="FFFFFF"/>
+            </a:solidFill>
+            <a:miter lim="800000"/>
+          </a:ln>
+          <a:effectLst>
+            <a:outerShdw blurRad="55000" dist="18000" dir="5400000" algn="tl" rotWithShape="0">
+              <a:srgbClr val="000000">
+                <a:alpha val="40000"/>
+              </a:srgbClr>
+            </a:outerShdw>
+          </a:effectLst>
+          <a:scene3d>
+            <a:camera prst="orthographicFront"/>
+            <a:lightRig rig="twoPt" dir="t">
+              <a:rot lat="0" lon="0" rev="7200000"/>
+            </a:lightRig>
+          </a:scene3d>
+          <a:sp3d>
+            <a:bevelT w="25400" h="19050"/>
+            <a:contourClr>
+              <a:srgbClr val="FFFFFF"/>
+            </a:contourClr>
+          </a:sp3d>
         </p:spPr>
       </p:pic>
       <p:pic>
         <p:nvPicPr>
-          <p:cNvPr id="16" name="Рисунок 15"/>
+          <p:cNvPr id="12" name="Рисунок 11"/>
           <p:cNvPicPr>
             <a:picLocks noChangeAspect="1"/>
           </p:cNvPicPr>
@@ -7095,17 +8316,47 @@
         </p:blipFill>
         <p:spPr>
           <a:xfrm>
-            <a:off x="7052323" y="3119630"/>
-            <a:ext cx="4545717" cy="2933516"/>
+            <a:off x="2808449" y="3884754"/>
+            <a:ext cx="1533636" cy="2726464"/>
           </a:xfrm>
           <a:prstGeom prst="rect">
             <a:avLst/>
           </a:prstGeom>
+          <a:solidFill>
+            <a:srgbClr val="FFFFFF">
+              <a:shade val="85000"/>
+            </a:srgbClr>
+          </a:solidFill>
+          <a:ln w="88900" cap="sq">
+            <a:solidFill>
+              <a:srgbClr val="FFFFFF"/>
+            </a:solidFill>
+            <a:miter lim="800000"/>
+          </a:ln>
+          <a:effectLst>
+            <a:outerShdw blurRad="55000" dist="18000" dir="5400000" algn="tl" rotWithShape="0">
+              <a:srgbClr val="000000">
+                <a:alpha val="40000"/>
+              </a:srgbClr>
+            </a:outerShdw>
+          </a:effectLst>
+          <a:scene3d>
+            <a:camera prst="orthographicFront"/>
+            <a:lightRig rig="twoPt" dir="t">
+              <a:rot lat="0" lon="0" rev="7200000"/>
+            </a:lightRig>
+          </a:scene3d>
+          <a:sp3d>
+            <a:bevelT w="25400" h="19050"/>
+            <a:contourClr>
+              <a:srgbClr val="FFFFFF"/>
+            </a:contourClr>
+          </a:sp3d>
         </p:spPr>
       </p:pic>
       <p:pic>
         <p:nvPicPr>
-          <p:cNvPr id="14" name="Рисунок 13"/>
+          <p:cNvPr id="16" name="Рисунок 15"/>
           <p:cNvPicPr>
             <a:picLocks noChangeAspect="1"/>
           </p:cNvPicPr>
@@ -7119,17 +8370,47 @@
         </p:blipFill>
         <p:spPr>
           <a:xfrm>
-            <a:off x="4968637" y="3492961"/>
-            <a:ext cx="1777189" cy="3159447"/>
+            <a:off x="6902241" y="2856371"/>
+            <a:ext cx="4545717" cy="2933516"/>
           </a:xfrm>
           <a:prstGeom prst="rect">
             <a:avLst/>
           </a:prstGeom>
+          <a:solidFill>
+            <a:srgbClr val="FFFFFF">
+              <a:shade val="85000"/>
+            </a:srgbClr>
+          </a:solidFill>
+          <a:ln w="88900" cap="sq">
+            <a:solidFill>
+              <a:srgbClr val="FFFFFF"/>
+            </a:solidFill>
+            <a:miter lim="800000"/>
+          </a:ln>
+          <a:effectLst>
+            <a:outerShdw blurRad="55000" dist="18000" dir="5400000" algn="tl" rotWithShape="0">
+              <a:srgbClr val="000000">
+                <a:alpha val="40000"/>
+              </a:srgbClr>
+            </a:outerShdw>
+          </a:effectLst>
+          <a:scene3d>
+            <a:camera prst="orthographicFront"/>
+            <a:lightRig rig="twoPt" dir="t">
+              <a:rot lat="0" lon="0" rev="7200000"/>
+            </a:lightRig>
+          </a:scene3d>
+          <a:sp3d>
+            <a:bevelT w="25400" h="19050"/>
+            <a:contourClr>
+              <a:srgbClr val="FFFFFF"/>
+            </a:contourClr>
+          </a:sp3d>
         </p:spPr>
       </p:pic>
       <p:pic>
         <p:nvPicPr>
-          <p:cNvPr id="17" name="Рисунок 16"/>
+          <p:cNvPr id="14" name="Рисунок 13"/>
           <p:cNvPicPr>
             <a:picLocks noChangeAspect="1"/>
           </p:cNvPicPr>
@@ -7143,12 +8424,96 @@
         </p:blipFill>
         <p:spPr>
           <a:xfrm>
-            <a:off x="6456125" y="4611250"/>
+            <a:off x="4561401" y="3451771"/>
+            <a:ext cx="1777189" cy="3159447"/>
+          </a:xfrm>
+          <a:prstGeom prst="rect">
+            <a:avLst/>
+          </a:prstGeom>
+          <a:solidFill>
+            <a:srgbClr val="FFFFFF">
+              <a:shade val="85000"/>
+            </a:srgbClr>
+          </a:solidFill>
+          <a:ln w="88900" cap="sq">
+            <a:solidFill>
+              <a:srgbClr val="FFFFFF"/>
+            </a:solidFill>
+            <a:miter lim="800000"/>
+          </a:ln>
+          <a:effectLst>
+            <a:outerShdw blurRad="55000" dist="18000" dir="5400000" algn="tl" rotWithShape="0">
+              <a:srgbClr val="000000">
+                <a:alpha val="40000"/>
+              </a:srgbClr>
+            </a:outerShdw>
+          </a:effectLst>
+          <a:scene3d>
+            <a:camera prst="orthographicFront"/>
+            <a:lightRig rig="twoPt" dir="t">
+              <a:rot lat="0" lon="0" rev="7200000"/>
+            </a:lightRig>
+          </a:scene3d>
+          <a:sp3d>
+            <a:bevelT w="25400" h="19050"/>
+            <a:contourClr>
+              <a:srgbClr val="FFFFFF"/>
+            </a:contourClr>
+          </a:sp3d>
+        </p:spPr>
+      </p:pic>
+      <p:pic>
+        <p:nvPicPr>
+          <p:cNvPr id="17" name="Рисунок 16"/>
+          <p:cNvPicPr>
+            <a:picLocks noChangeAspect="1"/>
+          </p:cNvPicPr>
+          <p:nvPr/>
+        </p:nvPicPr>
+        <p:blipFill>
+          <a:blip r:embed="rId10"/>
+          <a:stretch>
+            <a:fillRect/>
+          </a:stretch>
+        </p:blipFill>
+        <p:spPr>
+          <a:xfrm>
+            <a:off x="6557906" y="4611585"/>
             <a:ext cx="3291346" cy="2120455"/>
           </a:xfrm>
           <a:prstGeom prst="rect">
             <a:avLst/>
           </a:prstGeom>
+          <a:solidFill>
+            <a:srgbClr val="FFFFFF">
+              <a:shade val="85000"/>
+            </a:srgbClr>
+          </a:solidFill>
+          <a:ln w="88900" cap="sq">
+            <a:solidFill>
+              <a:srgbClr val="FFFFFF"/>
+            </a:solidFill>
+            <a:miter lim="800000"/>
+          </a:ln>
+          <a:effectLst>
+            <a:outerShdw blurRad="55000" dist="18000" dir="5400000" algn="tl" rotWithShape="0">
+              <a:srgbClr val="000000">
+                <a:alpha val="40000"/>
+              </a:srgbClr>
+            </a:outerShdw>
+          </a:effectLst>
+          <a:scene3d>
+            <a:camera prst="orthographicFront"/>
+            <a:lightRig rig="twoPt" dir="t">
+              <a:rot lat="0" lon="0" rev="7200000"/>
+            </a:lightRig>
+          </a:scene3d>
+          <a:sp3d>
+            <a:bevelT w="25400" h="19050"/>
+            <a:contourClr>
+              <a:srgbClr val="FFFFFF"/>
+            </a:contourClr>
+          </a:sp3d>
         </p:spPr>
       </p:pic>
     </p:spTree>
@@ -7419,4 +8784,299 @@
     </a:ext>
   </a:extLst>
 </a:theme>
+</file>
+
+<file path=ppt/theme/theme2.xml><?xml version="1.0" encoding="utf-8"?>
+<a:theme xmlns:a="http://schemas.openxmlformats.org/drawingml/2006/main" name="Тема Office">
+  <a:themeElements>
+    <a:clrScheme name="Офіс">
+      <a:dk1>
+        <a:sysClr val="windowText" lastClr="000000"/>
+      </a:dk1>
+      <a:lt1>
+        <a:sysClr val="window" lastClr="FFFFFF"/>
+      </a:lt1>
+      <a:dk2>
+        <a:srgbClr val="44546A"/>
+      </a:dk2>
+      <a:lt2>
+        <a:srgbClr val="E7E6E6"/>
+      </a:lt2>
+      <a:accent1>
+        <a:srgbClr val="4472C4"/>
+      </a:accent1>
+      <a:accent2>
+        <a:srgbClr val="ED7D31"/>
+      </a:accent2>
+      <a:accent3>
+        <a:srgbClr val="A5A5A5"/>
+      </a:accent3>
+      <a:accent4>
+        <a:srgbClr val="FFC000"/>
+      </a:accent4>
+      <a:accent5>
+        <a:srgbClr val="5B9BD5"/>
+      </a:accent5>
+      <a:accent6>
+        <a:srgbClr val="70AD47"/>
+      </a:accent6>
+      <a:hlink>
+        <a:srgbClr val="0563C1"/>
+      </a:hlink>
+      <a:folHlink>
+        <a:srgbClr val="954F72"/>
+      </a:folHlink>
+    </a:clrScheme>
+    <a:fontScheme name="Офіс">
+      <a:majorFont>
+        <a:latin typeface="Calibri Light" panose="020F0302020204030204"/>
+        <a:ea typeface=""/>
+        <a:cs typeface=""/>
+        <a:font script="Jpan" typeface="游ゴシック Light"/>
+        <a:font script="Hang" typeface="맑은 고딕"/>
+        <a:font script="Hans" typeface="等线 Light"/>
+        <a:font script="Hant" typeface="新細明體"/>
+        <a:font script="Arab" typeface="Times New Roman"/>
+        <a:font script="Hebr" typeface="Times New Roman"/>
+        <a:font script="Thai" typeface="Angsana New"/>
+        <a:font script="Ethi" typeface="Nyala"/>
+        <a:font script="Beng" typeface="Vrinda"/>
+        <a:font script="Gujr" typeface="Shruti"/>
+        <a:font script="Khmr" typeface="MoolBoran"/>
+        <a:font script="Knda" typeface="Tunga"/>
+        <a:font script="Guru" typeface="Raavi"/>
+        <a:font script="Cans" typeface="Euphemia"/>
+        <a:font script="Cher" typeface="Plantagenet Cherokee"/>
+        <a:font script="Yiii" typeface="Microsoft Yi Baiti"/>
+        <a:font script="Tibt" typeface="Microsoft Himalaya"/>
+        <a:font script="Thaa" typeface="MV Boli"/>
+        <a:font script="Deva" typeface="Mangal"/>
+        <a:font script="Telu" typeface="Gautami"/>
+        <a:font script="Taml" typeface="Latha"/>
+        <a:font script="Syrc" typeface="Estrangelo Edessa"/>
+        <a:font script="Orya" typeface="Kalinga"/>
+        <a:font script="Mlym" typeface="Kartika"/>
+        <a:font script="Laoo" typeface="DokChampa"/>
+        <a:font script="Sinh" typeface="Iskoola Pota"/>
+        <a:font script="Mong" typeface="Mongolian Baiti"/>
+        <a:font script="Viet" typeface="Times New Roman"/>
+        <a:font script="Uigh" typeface="Microsoft Uighur"/>
+        <a:font script="Geor" typeface="Sylfaen"/>
+        <a:font script="Armn" typeface="Arial"/>
+        <a:font script="Bugi" typeface="Leelawadee UI"/>
+        <a:font script="Bopo" typeface="Microsoft JhengHei"/>
+        <a:font script="Java" typeface="Javanese Text"/>
+        <a:font script="Lisu" typeface="Segoe UI"/>
+        <a:font script="Mymr" typeface="Myanmar Text"/>
+        <a:font script="Nkoo" typeface="Ebrima"/>
+        <a:font script="Olck" typeface="Nirmala UI"/>
+        <a:font script="Osma" typeface="Ebrima"/>
+        <a:font script="Phag" typeface="Phagspa"/>
+        <a:font script="Syrn" typeface="Estrangelo Edessa"/>
+        <a:font script="Syrj" typeface="Estrangelo Edessa"/>
+        <a:font script="Syre" typeface="Estrangelo Edessa"/>
+        <a:font script="Sora" typeface="Nirmala UI"/>
+        <a:font script="Tale" typeface="Microsoft Tai Le"/>
+        <a:font script="Talu" typeface="Microsoft New Tai Lue"/>
+        <a:font script="Tfng" typeface="Ebrima"/>
+      </a:majorFont>
+      <a:minorFont>
+        <a:latin typeface="Calibri" panose="020F0502020204030204"/>
+        <a:ea typeface=""/>
+        <a:cs typeface=""/>
+        <a:font script="Jpan" typeface="游ゴシック"/>
+        <a:font script="Hang" typeface="맑은 고딕"/>
+        <a:font script="Hans" typeface="等线"/>
+        <a:font script="Hant" typeface="新細明體"/>
+        <a:font script="Arab" typeface="Arial"/>
+        <a:font script="Hebr" typeface="Arial"/>
+        <a:font script="Thai" typeface="Cordia New"/>
+        <a:font script="Ethi" typeface="Nyala"/>
+        <a:font script="Beng" typeface="Vrinda"/>
+        <a:font script="Gujr" typeface="Shruti"/>
+        <a:font script="Khmr" typeface="DaunPenh"/>
+        <a:font script="Knda" typeface="Tunga"/>
+        <a:font script="Guru" typeface="Raavi"/>
+        <a:font script="Cans" typeface="Euphemia"/>
+        <a:font script="Cher" typeface="Plantagenet Cherokee"/>
+        <a:font script="Yiii" typeface="Microsoft Yi Baiti"/>
+        <a:font script="Tibt" typeface="Microsoft Himalaya"/>
+        <a:font script="Thaa" typeface="MV Boli"/>
+        <a:font script="Deva" typeface="Mangal"/>
+        <a:font script="Telu" typeface="Gautami"/>
+        <a:font script="Taml" typeface="Latha"/>
+        <a:font script="Syrc" typeface="Estrangelo Edessa"/>
+        <a:font script="Orya" typeface="Kalinga"/>
+        <a:font script="Mlym" typeface="Kartika"/>
+        <a:font script="Laoo" typeface="DokChampa"/>
+        <a:font script="Sinh" typeface="Iskoola Pota"/>
+        <a:font script="Mong" typeface="Mongolian Baiti"/>
+        <a:font script="Viet" typeface="Arial"/>
+        <a:font script="Uigh" typeface="Microsoft Uighur"/>
+        <a:font script="Geor" typeface="Sylfaen"/>
+        <a:font script="Armn" typeface="Arial"/>
+        <a:font script="Bugi" typeface="Leelawadee UI"/>
+        <a:font script="Bopo" typeface="Microsoft JhengHei"/>
+        <a:font script="Java" typeface="Javanese Text"/>
+        <a:font script="Lisu" typeface="Segoe UI"/>
+        <a:font script="Mymr" typeface="Myanmar Text"/>
+        <a:font script="Nkoo" typeface="Ebrima"/>
+        <a:font script="Olck" typeface="Nirmala UI"/>
+        <a:font script="Osma" typeface="Ebrima"/>
+        <a:font script="Phag" typeface="Phagspa"/>
+        <a:font script="Syrn" typeface="Estrangelo Edessa"/>
+        <a:font script="Syrj" typeface="Estrangelo Edessa"/>
+        <a:font script="Syre" typeface="Estrangelo Edessa"/>
+        <a:font script="Sora" typeface="Nirmala UI"/>
+        <a:font script="Tale" typeface="Microsoft Tai Le"/>
+        <a:font script="Talu" typeface="Microsoft New Tai Lue"/>
+        <a:font script="Tfng" typeface="Ebrima"/>
+      </a:minorFont>
+    </a:fontScheme>
+    <a:fmtScheme name="Офіс">
+      <a:fillStyleLst>
+        <a:solidFill>
+          <a:schemeClr val="phClr"/>
+        </a:solidFill>
+        <a:gradFill rotWithShape="1">
+          <a:gsLst>
+            <a:gs pos="0">
+              <a:schemeClr val="phClr">
+                <a:lumMod val="110000"/>
+                <a:satMod val="105000"/>
+                <a:tint val="67000"/>
+              </a:schemeClr>
+            </a:gs>
+            <a:gs pos="50000">
+              <a:schemeClr val="phClr">
+                <a:lumMod val="105000"/>
+                <a:satMod val="103000"/>
+                <a:tint val="73000"/>
+              </a:schemeClr>
+            </a:gs>
+            <a:gs pos="100000">
+              <a:schemeClr val="phClr">
+                <a:lumMod val="105000"/>
+                <a:satMod val="109000"/>
+                <a:tint val="81000"/>
+              </a:schemeClr>
+            </a:gs>
+          </a:gsLst>
+          <a:lin ang="5400000" scaled="0"/>
+        </a:gradFill>
+        <a:gradFill rotWithShape="1">
+          <a:gsLst>
+            <a:gs pos="0">
+              <a:schemeClr val="phClr">
+                <a:satMod val="103000"/>
+                <a:lumMod val="102000"/>
+                <a:tint val="94000"/>
+              </a:schemeClr>
+            </a:gs>
+            <a:gs pos="50000">
+              <a:schemeClr val="phClr">
+                <a:satMod val="110000"/>
+                <a:lumMod val="100000"/>
+                <a:shade val="100000"/>
+              </a:schemeClr>
+            </a:gs>
+            <a:gs pos="100000">
+              <a:schemeClr val="phClr">
+                <a:lumMod val="99000"/>
+                <a:satMod val="120000"/>
+                <a:shade val="78000"/>
+              </a:schemeClr>
+            </a:gs>
+          </a:gsLst>
+          <a:lin ang="5400000" scaled="0"/>
+        </a:gradFill>
+      </a:fillStyleLst>
+      <a:lnStyleLst>
+        <a:ln w="6350" cap="flat" cmpd="sng" algn="ctr">
+          <a:solidFill>
+            <a:schemeClr val="phClr"/>
+          </a:solidFill>
+          <a:prstDash val="solid"/>
+          <a:miter lim="800000"/>
+        </a:ln>
+        <a:ln w="12700" cap="flat" cmpd="sng" algn="ctr">
+          <a:solidFill>
+            <a:schemeClr val="phClr"/>
+          </a:solidFill>
+          <a:prstDash val="solid"/>
+          <a:miter lim="800000"/>
+        </a:ln>
+        <a:ln w="19050" cap="flat" cmpd="sng" algn="ctr">
+          <a:solidFill>
+            <a:schemeClr val="phClr"/>
+          </a:solidFill>
+          <a:prstDash val="solid"/>
+          <a:miter lim="800000"/>
+        </a:ln>
+      </a:lnStyleLst>
+      <a:effectStyleLst>
+        <a:effectStyle>
+          <a:effectLst/>
+        </a:effectStyle>
+        <a:effectStyle>
+          <a:effectLst/>
+        </a:effectStyle>
+        <a:effectStyle>
+          <a:effectLst>
+            <a:outerShdw blurRad="57150" dist="19050" dir="5400000" algn="ctr" rotWithShape="0">
+              <a:srgbClr val="000000">
+                <a:alpha val="63000"/>
+              </a:srgbClr>
+            </a:outerShdw>
+          </a:effectLst>
+        </a:effectStyle>
+      </a:effectStyleLst>
+      <a:bgFillStyleLst>
+        <a:solidFill>
+          <a:schemeClr val="phClr"/>
+        </a:solidFill>
+        <a:solidFill>
+          <a:schemeClr val="phClr">
+            <a:tint val="95000"/>
+            <a:satMod val="170000"/>
+          </a:schemeClr>
+        </a:solidFill>
+        <a:gradFill rotWithShape="1">
+          <a:gsLst>
+            <a:gs pos="0">
+              <a:schemeClr val="phClr">
+                <a:tint val="93000"/>
+                <a:satMod val="150000"/>
+                <a:shade val="98000"/>
+                <a:lumMod val="102000"/>
+              </a:schemeClr>
+            </a:gs>
+            <a:gs pos="50000">
+              <a:schemeClr val="phClr">
+                <a:tint val="98000"/>
+                <a:satMod val="130000"/>
+                <a:shade val="90000"/>
+                <a:lumMod val="103000"/>
+              </a:schemeClr>
+            </a:gs>
+            <a:gs pos="100000">
+              <a:schemeClr val="phClr">
+                <a:shade val="63000"/>
+                <a:satMod val="120000"/>
+              </a:schemeClr>
+            </a:gs>
+          </a:gsLst>
+          <a:lin ang="5400000" scaled="0"/>
+        </a:gradFill>
+      </a:bgFillStyleLst>
+    </a:fmtScheme>
+  </a:themeElements>
+  <a:objectDefaults/>
+  <a:extraClrSchemeLst/>
+  <a:extLst>
+    <a:ext uri="{05A4C25C-085E-4340-85A3-A5531E510DB2}">
+      <thm15:themeFamily xmlns:thm15="http://schemas.microsoft.com/office/thememl/2012/main" name="Office Theme" id="{62F939B6-93AF-4DB8-9C6B-D6C7DFDC589F}" vid="{4A3C46E8-61CC-4603-A589-7422A47A8E4A}"/>
+    </a:ext>
+  </a:extLst>
+</a:theme>
 </file>